--- a/UseGuide.pptx
+++ b/UseGuide.pptx
@@ -9,6 +9,7 @@
     <p:sldId id="256" r:id="rId4"/>
     <p:sldId id="257" r:id="rId5"/>
     <p:sldId id="258" r:id="rId6"/>
+    <p:sldId id="259" r:id="rId7"/>
   </p:sldIdLst>
   <p:sldSz cx="10080625" cy="5670550"/>
   <p:notesSz cx="7559675" cy="10691812"/>
@@ -66,8 +67,8 @@
         </p:nvSpPr>
         <p:spPr>
           <a:xfrm>
-            <a:off x="503640" y="225360"/>
-            <a:ext cx="9070560" cy="946440"/>
+            <a:off x="504000" y="226080"/>
+            <a:ext cx="9072000" cy="946440"/>
           </a:xfrm>
           <a:prstGeom prst="rect">
             <a:avLst/>
@@ -79,7 +80,7 @@
           </a:bodyPr>
           <a:p>
             <a:pPr algn="ctr"/>
-            <a:endParaRPr b="0" lang="en-US" sz="3959" spc="-1" strike="noStrike">
+            <a:endParaRPr b="0" lang="en-US" sz="4400" spc="-1" strike="noStrike">
               <a:latin typeface="Arial"/>
             </a:endParaRPr>
           </a:p>
@@ -97,8 +98,8 @@
         </p:nvSpPr>
         <p:spPr>
           <a:xfrm>
-            <a:off x="503640" y="1326240"/>
-            <a:ext cx="9070560" cy="1567800"/>
+            <a:off x="504000" y="1326600"/>
+            <a:ext cx="9072000" cy="1568520"/>
           </a:xfrm>
           <a:prstGeom prst="rect">
             <a:avLst/>
@@ -109,7 +110,7 @@
             <a:normAutofit/>
           </a:bodyPr>
           <a:p>
-            <a:endParaRPr b="0" lang="en-US" sz="2880" spc="-1" strike="noStrike">
+            <a:endParaRPr b="0" lang="en-US" sz="3200" spc="-1" strike="noStrike">
               <a:latin typeface="Arial"/>
             </a:endParaRPr>
           </a:p>
@@ -127,8 +128,8 @@
         </p:nvSpPr>
         <p:spPr>
           <a:xfrm>
-            <a:off x="503640" y="3043440"/>
-            <a:ext cx="9070560" cy="1567800"/>
+            <a:off x="504000" y="3044520"/>
+            <a:ext cx="9072000" cy="1568520"/>
           </a:xfrm>
           <a:prstGeom prst="rect">
             <a:avLst/>
@@ -139,7 +140,7 @@
             <a:normAutofit/>
           </a:bodyPr>
           <a:p>
-            <a:endParaRPr b="0" lang="en-US" sz="2880" spc="-1" strike="noStrike">
+            <a:endParaRPr b="0" lang="en-US" sz="3200" spc="-1" strike="noStrike">
               <a:latin typeface="Arial"/>
             </a:endParaRPr>
           </a:p>
@@ -179,8 +180,8 @@
         </p:nvSpPr>
         <p:spPr>
           <a:xfrm>
-            <a:off x="503640" y="225360"/>
-            <a:ext cx="9070560" cy="946440"/>
+            <a:off x="504000" y="226080"/>
+            <a:ext cx="9072000" cy="946440"/>
           </a:xfrm>
           <a:prstGeom prst="rect">
             <a:avLst/>
@@ -192,7 +193,7 @@
           </a:bodyPr>
           <a:p>
             <a:pPr algn="ctr"/>
-            <a:endParaRPr b="0" lang="en-US" sz="3959" spc="-1" strike="noStrike">
+            <a:endParaRPr b="0" lang="en-US" sz="4400" spc="-1" strike="noStrike">
               <a:latin typeface="Arial"/>
             </a:endParaRPr>
           </a:p>
@@ -210,8 +211,8 @@
         </p:nvSpPr>
         <p:spPr>
           <a:xfrm>
-            <a:off x="503640" y="1326240"/>
-            <a:ext cx="4426200" cy="1567800"/>
+            <a:off x="504000" y="1326600"/>
+            <a:ext cx="4426920" cy="1568520"/>
           </a:xfrm>
           <a:prstGeom prst="rect">
             <a:avLst/>
@@ -222,7 +223,7 @@
             <a:normAutofit/>
           </a:bodyPr>
           <a:p>
-            <a:endParaRPr b="0" lang="en-US" sz="2880" spc="-1" strike="noStrike">
+            <a:endParaRPr b="0" lang="en-US" sz="3200" spc="-1" strike="noStrike">
               <a:latin typeface="Arial"/>
             </a:endParaRPr>
           </a:p>
@@ -240,8 +241,8 @@
         </p:nvSpPr>
         <p:spPr>
           <a:xfrm>
-            <a:off x="5151600" y="1326240"/>
-            <a:ext cx="4426200" cy="1567800"/>
+            <a:off x="5152680" y="1326600"/>
+            <a:ext cx="4426920" cy="1568520"/>
           </a:xfrm>
           <a:prstGeom prst="rect">
             <a:avLst/>
@@ -252,7 +253,7 @@
             <a:normAutofit/>
           </a:bodyPr>
           <a:p>
-            <a:endParaRPr b="0" lang="en-US" sz="2880" spc="-1" strike="noStrike">
+            <a:endParaRPr b="0" lang="en-US" sz="3200" spc="-1" strike="noStrike">
               <a:latin typeface="Arial"/>
             </a:endParaRPr>
           </a:p>
@@ -270,8 +271,8 @@
         </p:nvSpPr>
         <p:spPr>
           <a:xfrm>
-            <a:off x="503640" y="3043440"/>
-            <a:ext cx="4426200" cy="1567800"/>
+            <a:off x="504000" y="3044520"/>
+            <a:ext cx="4426920" cy="1568520"/>
           </a:xfrm>
           <a:prstGeom prst="rect">
             <a:avLst/>
@@ -282,7 +283,7 @@
             <a:normAutofit/>
           </a:bodyPr>
           <a:p>
-            <a:endParaRPr b="0" lang="en-US" sz="2880" spc="-1" strike="noStrike">
+            <a:endParaRPr b="0" lang="en-US" sz="3200" spc="-1" strike="noStrike">
               <a:latin typeface="Arial"/>
             </a:endParaRPr>
           </a:p>
@@ -300,8 +301,8 @@
         </p:nvSpPr>
         <p:spPr>
           <a:xfrm>
-            <a:off x="5151600" y="3043440"/>
-            <a:ext cx="4426200" cy="1567800"/>
+            <a:off x="5152680" y="3044520"/>
+            <a:ext cx="4426920" cy="1568520"/>
           </a:xfrm>
           <a:prstGeom prst="rect">
             <a:avLst/>
@@ -312,7 +313,7 @@
             <a:normAutofit/>
           </a:bodyPr>
           <a:p>
-            <a:endParaRPr b="0" lang="en-US" sz="2880" spc="-1" strike="noStrike">
+            <a:endParaRPr b="0" lang="en-US" sz="3200" spc="-1" strike="noStrike">
               <a:latin typeface="Arial"/>
             </a:endParaRPr>
           </a:p>
@@ -352,8 +353,8 @@
         </p:nvSpPr>
         <p:spPr>
           <a:xfrm>
-            <a:off x="503640" y="225360"/>
-            <a:ext cx="9070560" cy="946440"/>
+            <a:off x="504000" y="226080"/>
+            <a:ext cx="9072000" cy="946440"/>
           </a:xfrm>
           <a:prstGeom prst="rect">
             <a:avLst/>
@@ -365,7 +366,7 @@
           </a:bodyPr>
           <a:p>
             <a:pPr algn="ctr"/>
-            <a:endParaRPr b="0" lang="en-US" sz="3959" spc="-1" strike="noStrike">
+            <a:endParaRPr b="0" lang="en-US" sz="4400" spc="-1" strike="noStrike">
               <a:latin typeface="Arial"/>
             </a:endParaRPr>
           </a:p>
@@ -383,8 +384,8 @@
         </p:nvSpPr>
         <p:spPr>
           <a:xfrm>
-            <a:off x="503640" y="1326240"/>
-            <a:ext cx="2920320" cy="1567800"/>
+            <a:off x="504000" y="1326600"/>
+            <a:ext cx="2921040" cy="1568520"/>
           </a:xfrm>
           <a:prstGeom prst="rect">
             <a:avLst/>
@@ -395,7 +396,7 @@
             <a:normAutofit/>
           </a:bodyPr>
           <a:p>
-            <a:endParaRPr b="0" lang="en-US" sz="2880" spc="-1" strike="noStrike">
+            <a:endParaRPr b="0" lang="en-US" sz="3200" spc="-1" strike="noStrike">
               <a:latin typeface="Arial"/>
             </a:endParaRPr>
           </a:p>
@@ -413,8 +414,8 @@
         </p:nvSpPr>
         <p:spPr>
           <a:xfrm>
-            <a:off x="3570480" y="1326240"/>
-            <a:ext cx="2920320" cy="1567800"/>
+            <a:off x="3571560" y="1326600"/>
+            <a:ext cx="2921040" cy="1568520"/>
           </a:xfrm>
           <a:prstGeom prst="rect">
             <a:avLst/>
@@ -425,7 +426,7 @@
             <a:normAutofit/>
           </a:bodyPr>
           <a:p>
-            <a:endParaRPr b="0" lang="en-US" sz="2880" spc="-1" strike="noStrike">
+            <a:endParaRPr b="0" lang="en-US" sz="3200" spc="-1" strike="noStrike">
               <a:latin typeface="Arial"/>
             </a:endParaRPr>
           </a:p>
@@ -443,8 +444,8 @@
         </p:nvSpPr>
         <p:spPr>
           <a:xfrm>
-            <a:off x="6636960" y="1326240"/>
-            <a:ext cx="2920320" cy="1567800"/>
+            <a:off x="6639120" y="1326600"/>
+            <a:ext cx="2921040" cy="1568520"/>
           </a:xfrm>
           <a:prstGeom prst="rect">
             <a:avLst/>
@@ -455,7 +456,7 @@
             <a:normAutofit/>
           </a:bodyPr>
           <a:p>
-            <a:endParaRPr b="0" lang="en-US" sz="2880" spc="-1" strike="noStrike">
+            <a:endParaRPr b="0" lang="en-US" sz="3200" spc="-1" strike="noStrike">
               <a:latin typeface="Arial"/>
             </a:endParaRPr>
           </a:p>
@@ -473,8 +474,8 @@
         </p:nvSpPr>
         <p:spPr>
           <a:xfrm>
-            <a:off x="503640" y="3043440"/>
-            <a:ext cx="2920320" cy="1567800"/>
+            <a:off x="504000" y="3044520"/>
+            <a:ext cx="2921040" cy="1568520"/>
           </a:xfrm>
           <a:prstGeom prst="rect">
             <a:avLst/>
@@ -485,7 +486,7 @@
             <a:normAutofit/>
           </a:bodyPr>
           <a:p>
-            <a:endParaRPr b="0" lang="en-US" sz="2880" spc="-1" strike="noStrike">
+            <a:endParaRPr b="0" lang="en-US" sz="3200" spc="-1" strike="noStrike">
               <a:latin typeface="Arial"/>
             </a:endParaRPr>
           </a:p>
@@ -503,8 +504,8 @@
         </p:nvSpPr>
         <p:spPr>
           <a:xfrm>
-            <a:off x="3570480" y="3043440"/>
-            <a:ext cx="2920320" cy="1567800"/>
+            <a:off x="3571560" y="3044520"/>
+            <a:ext cx="2921040" cy="1568520"/>
           </a:xfrm>
           <a:prstGeom prst="rect">
             <a:avLst/>
@@ -515,7 +516,7 @@
             <a:normAutofit/>
           </a:bodyPr>
           <a:p>
-            <a:endParaRPr b="0" lang="en-US" sz="2880" spc="-1" strike="noStrike">
+            <a:endParaRPr b="0" lang="en-US" sz="3200" spc="-1" strike="noStrike">
               <a:latin typeface="Arial"/>
             </a:endParaRPr>
           </a:p>
@@ -533,8 +534,8 @@
         </p:nvSpPr>
         <p:spPr>
           <a:xfrm>
-            <a:off x="6636960" y="3043440"/>
-            <a:ext cx="2920320" cy="1567800"/>
+            <a:off x="6639120" y="3044520"/>
+            <a:ext cx="2921040" cy="1568520"/>
           </a:xfrm>
           <a:prstGeom prst="rect">
             <a:avLst/>
@@ -545,7 +546,7 @@
             <a:normAutofit/>
           </a:bodyPr>
           <a:p>
-            <a:endParaRPr b="0" lang="en-US" sz="2880" spc="-1" strike="noStrike">
+            <a:endParaRPr b="0" lang="en-US" sz="3200" spc="-1" strike="noStrike">
               <a:latin typeface="Arial"/>
             </a:endParaRPr>
           </a:p>
@@ -607,8 +608,8 @@
         </p:nvSpPr>
         <p:spPr>
           <a:xfrm>
-            <a:off x="503640" y="225360"/>
-            <a:ext cx="9070560" cy="946440"/>
+            <a:off x="504000" y="226080"/>
+            <a:ext cx="9072000" cy="946440"/>
           </a:xfrm>
           <a:prstGeom prst="rect">
             <a:avLst/>
@@ -620,7 +621,7 @@
           </a:bodyPr>
           <a:p>
             <a:pPr algn="ctr"/>
-            <a:endParaRPr b="0" lang="en-US" sz="3959" spc="-1" strike="noStrike">
+            <a:endParaRPr b="0" lang="en-US" sz="4400" spc="-1" strike="noStrike">
               <a:latin typeface="Arial"/>
             </a:endParaRPr>
           </a:p>
@@ -638,8 +639,8 @@
         </p:nvSpPr>
         <p:spPr>
           <a:xfrm>
-            <a:off x="503640" y="1326240"/>
-            <a:ext cx="9070560" cy="3287520"/>
+            <a:off x="504000" y="1326600"/>
+            <a:ext cx="9072000" cy="3288600"/>
           </a:xfrm>
           <a:prstGeom prst="rect">
             <a:avLst/>
@@ -691,8 +692,8 @@
         </p:nvSpPr>
         <p:spPr>
           <a:xfrm>
-            <a:off x="503640" y="225360"/>
-            <a:ext cx="9070560" cy="946440"/>
+            <a:off x="504000" y="226080"/>
+            <a:ext cx="9072000" cy="946440"/>
           </a:xfrm>
           <a:prstGeom prst="rect">
             <a:avLst/>
@@ -704,7 +705,7 @@
           </a:bodyPr>
           <a:p>
             <a:pPr algn="ctr"/>
-            <a:endParaRPr b="0" lang="en-US" sz="3959" spc="-1" strike="noStrike">
+            <a:endParaRPr b="0" lang="en-US" sz="4400" spc="-1" strike="noStrike">
               <a:latin typeface="Arial"/>
             </a:endParaRPr>
           </a:p>
@@ -722,8 +723,8 @@
         </p:nvSpPr>
         <p:spPr>
           <a:xfrm>
-            <a:off x="503640" y="1326240"/>
-            <a:ext cx="9070560" cy="3287520"/>
+            <a:off x="504000" y="1326600"/>
+            <a:ext cx="9072000" cy="3288600"/>
           </a:xfrm>
           <a:prstGeom prst="rect">
             <a:avLst/>
@@ -734,7 +735,7 @@
             <a:normAutofit/>
           </a:bodyPr>
           <a:p>
-            <a:endParaRPr b="0" lang="en-US" sz="2880" spc="-1" strike="noStrike">
+            <a:endParaRPr b="0" lang="en-US" sz="3200" spc="-1" strike="noStrike">
               <a:latin typeface="Arial"/>
             </a:endParaRPr>
           </a:p>
@@ -774,8 +775,8 @@
         </p:nvSpPr>
         <p:spPr>
           <a:xfrm>
-            <a:off x="503640" y="225360"/>
-            <a:ext cx="9070560" cy="946440"/>
+            <a:off x="504000" y="226080"/>
+            <a:ext cx="9072000" cy="946440"/>
           </a:xfrm>
           <a:prstGeom prst="rect">
             <a:avLst/>
@@ -787,7 +788,7 @@
           </a:bodyPr>
           <a:p>
             <a:pPr algn="ctr"/>
-            <a:endParaRPr b="0" lang="en-US" sz="3959" spc="-1" strike="noStrike">
+            <a:endParaRPr b="0" lang="en-US" sz="4400" spc="-1" strike="noStrike">
               <a:latin typeface="Arial"/>
             </a:endParaRPr>
           </a:p>
@@ -805,8 +806,8 @@
         </p:nvSpPr>
         <p:spPr>
           <a:xfrm>
-            <a:off x="503640" y="1326240"/>
-            <a:ext cx="4426200" cy="3287520"/>
+            <a:off x="504000" y="1326600"/>
+            <a:ext cx="4426920" cy="3288600"/>
           </a:xfrm>
           <a:prstGeom prst="rect">
             <a:avLst/>
@@ -817,7 +818,7 @@
             <a:normAutofit/>
           </a:bodyPr>
           <a:p>
-            <a:endParaRPr b="0" lang="en-US" sz="2880" spc="-1" strike="noStrike">
+            <a:endParaRPr b="0" lang="en-US" sz="3200" spc="-1" strike="noStrike">
               <a:latin typeface="Arial"/>
             </a:endParaRPr>
           </a:p>
@@ -835,8 +836,8 @@
         </p:nvSpPr>
         <p:spPr>
           <a:xfrm>
-            <a:off x="5151600" y="1326240"/>
-            <a:ext cx="4426200" cy="3287520"/>
+            <a:off x="5152680" y="1326600"/>
+            <a:ext cx="4426920" cy="3288600"/>
           </a:xfrm>
           <a:prstGeom prst="rect">
             <a:avLst/>
@@ -847,7 +848,7 @@
             <a:normAutofit/>
           </a:bodyPr>
           <a:p>
-            <a:endParaRPr b="0" lang="en-US" sz="2880" spc="-1" strike="noStrike">
+            <a:endParaRPr b="0" lang="en-US" sz="3200" spc="-1" strike="noStrike">
               <a:latin typeface="Arial"/>
             </a:endParaRPr>
           </a:p>
@@ -887,8 +888,8 @@
         </p:nvSpPr>
         <p:spPr>
           <a:xfrm>
-            <a:off x="503640" y="225360"/>
-            <a:ext cx="9070560" cy="946440"/>
+            <a:off x="504000" y="226080"/>
+            <a:ext cx="9072000" cy="946440"/>
           </a:xfrm>
           <a:prstGeom prst="rect">
             <a:avLst/>
@@ -900,7 +901,7 @@
           </a:bodyPr>
           <a:p>
             <a:pPr algn="ctr"/>
-            <a:endParaRPr b="0" lang="en-US" sz="3959" spc="-1" strike="noStrike">
+            <a:endParaRPr b="0" lang="en-US" sz="4400" spc="-1" strike="noStrike">
               <a:latin typeface="Arial"/>
             </a:endParaRPr>
           </a:p>
@@ -940,8 +941,8 @@
         </p:nvSpPr>
         <p:spPr>
           <a:xfrm>
-            <a:off x="503640" y="225360"/>
-            <a:ext cx="9070560" cy="4388400"/>
+            <a:off x="504000" y="226080"/>
+            <a:ext cx="9072000" cy="4388400"/>
           </a:xfrm>
           <a:prstGeom prst="rect">
             <a:avLst/>
@@ -993,8 +994,8 @@
         </p:nvSpPr>
         <p:spPr>
           <a:xfrm>
-            <a:off x="503640" y="225360"/>
-            <a:ext cx="9070560" cy="946440"/>
+            <a:off x="504000" y="226080"/>
+            <a:ext cx="9072000" cy="946440"/>
           </a:xfrm>
           <a:prstGeom prst="rect">
             <a:avLst/>
@@ -1006,7 +1007,7 @@
           </a:bodyPr>
           <a:p>
             <a:pPr algn="ctr"/>
-            <a:endParaRPr b="0" lang="en-US" sz="3959" spc="-1" strike="noStrike">
+            <a:endParaRPr b="0" lang="en-US" sz="4400" spc="-1" strike="noStrike">
               <a:latin typeface="Arial"/>
             </a:endParaRPr>
           </a:p>
@@ -1024,8 +1025,8 @@
         </p:nvSpPr>
         <p:spPr>
           <a:xfrm>
-            <a:off x="503640" y="1326240"/>
-            <a:ext cx="4426200" cy="1567800"/>
+            <a:off x="504000" y="1326600"/>
+            <a:ext cx="4426920" cy="1568520"/>
           </a:xfrm>
           <a:prstGeom prst="rect">
             <a:avLst/>
@@ -1036,7 +1037,7 @@
             <a:normAutofit/>
           </a:bodyPr>
           <a:p>
-            <a:endParaRPr b="0" lang="en-US" sz="2880" spc="-1" strike="noStrike">
+            <a:endParaRPr b="0" lang="en-US" sz="3200" spc="-1" strike="noStrike">
               <a:latin typeface="Arial"/>
             </a:endParaRPr>
           </a:p>
@@ -1054,8 +1055,8 @@
         </p:nvSpPr>
         <p:spPr>
           <a:xfrm>
-            <a:off x="5151600" y="1326240"/>
-            <a:ext cx="4426200" cy="3287520"/>
+            <a:off x="5152680" y="1326600"/>
+            <a:ext cx="4426920" cy="3288600"/>
           </a:xfrm>
           <a:prstGeom prst="rect">
             <a:avLst/>
@@ -1066,7 +1067,7 @@
             <a:normAutofit/>
           </a:bodyPr>
           <a:p>
-            <a:endParaRPr b="0" lang="en-US" sz="2880" spc="-1" strike="noStrike">
+            <a:endParaRPr b="0" lang="en-US" sz="3200" spc="-1" strike="noStrike">
               <a:latin typeface="Arial"/>
             </a:endParaRPr>
           </a:p>
@@ -1084,8 +1085,8 @@
         </p:nvSpPr>
         <p:spPr>
           <a:xfrm>
-            <a:off x="503640" y="3043440"/>
-            <a:ext cx="4426200" cy="1567800"/>
+            <a:off x="504000" y="3044520"/>
+            <a:ext cx="4426920" cy="1568520"/>
           </a:xfrm>
           <a:prstGeom prst="rect">
             <a:avLst/>
@@ -1096,7 +1097,7 @@
             <a:normAutofit/>
           </a:bodyPr>
           <a:p>
-            <a:endParaRPr b="0" lang="en-US" sz="2880" spc="-1" strike="noStrike">
+            <a:endParaRPr b="0" lang="en-US" sz="3200" spc="-1" strike="noStrike">
               <a:latin typeface="Arial"/>
             </a:endParaRPr>
           </a:p>
@@ -1136,8 +1137,8 @@
         </p:nvSpPr>
         <p:spPr>
           <a:xfrm>
-            <a:off x="503640" y="225360"/>
-            <a:ext cx="9070560" cy="946440"/>
+            <a:off x="504000" y="226080"/>
+            <a:ext cx="9072000" cy="946440"/>
           </a:xfrm>
           <a:prstGeom prst="rect">
             <a:avLst/>
@@ -1149,7 +1150,7 @@
           </a:bodyPr>
           <a:p>
             <a:pPr algn="ctr"/>
-            <a:endParaRPr b="0" lang="en-US" sz="3959" spc="-1" strike="noStrike">
+            <a:endParaRPr b="0" lang="en-US" sz="4400" spc="-1" strike="noStrike">
               <a:latin typeface="Arial"/>
             </a:endParaRPr>
           </a:p>
@@ -1167,8 +1168,8 @@
         </p:nvSpPr>
         <p:spPr>
           <a:xfrm>
-            <a:off x="503640" y="1326240"/>
-            <a:ext cx="9070560" cy="3287520"/>
+            <a:off x="504000" y="1326600"/>
+            <a:ext cx="9072000" cy="3288600"/>
           </a:xfrm>
           <a:prstGeom prst="rect">
             <a:avLst/>
@@ -1220,8 +1221,8 @@
         </p:nvSpPr>
         <p:spPr>
           <a:xfrm>
-            <a:off x="503640" y="225360"/>
-            <a:ext cx="9070560" cy="946440"/>
+            <a:off x="504000" y="226080"/>
+            <a:ext cx="9072000" cy="946440"/>
           </a:xfrm>
           <a:prstGeom prst="rect">
             <a:avLst/>
@@ -1233,7 +1234,7 @@
           </a:bodyPr>
           <a:p>
             <a:pPr algn="ctr"/>
-            <a:endParaRPr b="0" lang="en-US" sz="3959" spc="-1" strike="noStrike">
+            <a:endParaRPr b="0" lang="en-US" sz="4400" spc="-1" strike="noStrike">
               <a:latin typeface="Arial"/>
             </a:endParaRPr>
           </a:p>
@@ -1251,8 +1252,8 @@
         </p:nvSpPr>
         <p:spPr>
           <a:xfrm>
-            <a:off x="503640" y="1326240"/>
-            <a:ext cx="4426200" cy="3287520"/>
+            <a:off x="504000" y="1326600"/>
+            <a:ext cx="4426920" cy="3288600"/>
           </a:xfrm>
           <a:prstGeom prst="rect">
             <a:avLst/>
@@ -1263,7 +1264,7 @@
             <a:normAutofit/>
           </a:bodyPr>
           <a:p>
-            <a:endParaRPr b="0" lang="en-US" sz="2880" spc="-1" strike="noStrike">
+            <a:endParaRPr b="0" lang="en-US" sz="3200" spc="-1" strike="noStrike">
               <a:latin typeface="Arial"/>
             </a:endParaRPr>
           </a:p>
@@ -1281,8 +1282,8 @@
         </p:nvSpPr>
         <p:spPr>
           <a:xfrm>
-            <a:off x="5151600" y="1326240"/>
-            <a:ext cx="4426200" cy="1567800"/>
+            <a:off x="5152680" y="1326600"/>
+            <a:ext cx="4426920" cy="1568520"/>
           </a:xfrm>
           <a:prstGeom prst="rect">
             <a:avLst/>
@@ -1293,7 +1294,7 @@
             <a:normAutofit/>
           </a:bodyPr>
           <a:p>
-            <a:endParaRPr b="0" lang="en-US" sz="2880" spc="-1" strike="noStrike">
+            <a:endParaRPr b="0" lang="en-US" sz="3200" spc="-1" strike="noStrike">
               <a:latin typeface="Arial"/>
             </a:endParaRPr>
           </a:p>
@@ -1311,8 +1312,8 @@
         </p:nvSpPr>
         <p:spPr>
           <a:xfrm>
-            <a:off x="5151600" y="3043440"/>
-            <a:ext cx="4426200" cy="1567800"/>
+            <a:off x="5152680" y="3044520"/>
+            <a:ext cx="4426920" cy="1568520"/>
           </a:xfrm>
           <a:prstGeom prst="rect">
             <a:avLst/>
@@ -1323,7 +1324,7 @@
             <a:normAutofit/>
           </a:bodyPr>
           <a:p>
-            <a:endParaRPr b="0" lang="en-US" sz="2880" spc="-1" strike="noStrike">
+            <a:endParaRPr b="0" lang="en-US" sz="3200" spc="-1" strike="noStrike">
               <a:latin typeface="Arial"/>
             </a:endParaRPr>
           </a:p>
@@ -1363,8 +1364,8 @@
         </p:nvSpPr>
         <p:spPr>
           <a:xfrm>
-            <a:off x="503640" y="225360"/>
-            <a:ext cx="9070560" cy="946440"/>
+            <a:off x="504000" y="226080"/>
+            <a:ext cx="9072000" cy="946440"/>
           </a:xfrm>
           <a:prstGeom prst="rect">
             <a:avLst/>
@@ -1376,7 +1377,7 @@
           </a:bodyPr>
           <a:p>
             <a:pPr algn="ctr"/>
-            <a:endParaRPr b="0" lang="en-US" sz="3959" spc="-1" strike="noStrike">
+            <a:endParaRPr b="0" lang="en-US" sz="4400" spc="-1" strike="noStrike">
               <a:latin typeface="Arial"/>
             </a:endParaRPr>
           </a:p>
@@ -1394,8 +1395,8 @@
         </p:nvSpPr>
         <p:spPr>
           <a:xfrm>
-            <a:off x="503640" y="1326240"/>
-            <a:ext cx="4426200" cy="1567800"/>
+            <a:off x="504000" y="1326600"/>
+            <a:ext cx="4426920" cy="1568520"/>
           </a:xfrm>
           <a:prstGeom prst="rect">
             <a:avLst/>
@@ -1406,7 +1407,7 @@
             <a:normAutofit/>
           </a:bodyPr>
           <a:p>
-            <a:endParaRPr b="0" lang="en-US" sz="2880" spc="-1" strike="noStrike">
+            <a:endParaRPr b="0" lang="en-US" sz="3200" spc="-1" strike="noStrike">
               <a:latin typeface="Arial"/>
             </a:endParaRPr>
           </a:p>
@@ -1424,8 +1425,8 @@
         </p:nvSpPr>
         <p:spPr>
           <a:xfrm>
-            <a:off x="5151600" y="1326240"/>
-            <a:ext cx="4426200" cy="1567800"/>
+            <a:off x="5152680" y="1326600"/>
+            <a:ext cx="4426920" cy="1568520"/>
           </a:xfrm>
           <a:prstGeom prst="rect">
             <a:avLst/>
@@ -1436,7 +1437,7 @@
             <a:normAutofit/>
           </a:bodyPr>
           <a:p>
-            <a:endParaRPr b="0" lang="en-US" sz="2880" spc="-1" strike="noStrike">
+            <a:endParaRPr b="0" lang="en-US" sz="3200" spc="-1" strike="noStrike">
               <a:latin typeface="Arial"/>
             </a:endParaRPr>
           </a:p>
@@ -1454,8 +1455,8 @@
         </p:nvSpPr>
         <p:spPr>
           <a:xfrm>
-            <a:off x="503640" y="3043440"/>
-            <a:ext cx="9070560" cy="1567800"/>
+            <a:off x="504000" y="3044520"/>
+            <a:ext cx="9072000" cy="1568520"/>
           </a:xfrm>
           <a:prstGeom prst="rect">
             <a:avLst/>
@@ -1466,7 +1467,7 @@
             <a:normAutofit/>
           </a:bodyPr>
           <a:p>
-            <a:endParaRPr b="0" lang="en-US" sz="2880" spc="-1" strike="noStrike">
+            <a:endParaRPr b="0" lang="en-US" sz="3200" spc="-1" strike="noStrike">
               <a:latin typeface="Arial"/>
             </a:endParaRPr>
           </a:p>
@@ -1506,8 +1507,8 @@
         </p:nvSpPr>
         <p:spPr>
           <a:xfrm>
-            <a:off x="503640" y="225360"/>
-            <a:ext cx="9070560" cy="946440"/>
+            <a:off x="504000" y="226080"/>
+            <a:ext cx="9072000" cy="946440"/>
           </a:xfrm>
           <a:prstGeom prst="rect">
             <a:avLst/>
@@ -1519,7 +1520,7 @@
           </a:bodyPr>
           <a:p>
             <a:pPr algn="ctr"/>
-            <a:endParaRPr b="0" lang="en-US" sz="3959" spc="-1" strike="noStrike">
+            <a:endParaRPr b="0" lang="en-US" sz="4400" spc="-1" strike="noStrike">
               <a:latin typeface="Arial"/>
             </a:endParaRPr>
           </a:p>
@@ -1537,8 +1538,8 @@
         </p:nvSpPr>
         <p:spPr>
           <a:xfrm>
-            <a:off x="503640" y="1326240"/>
-            <a:ext cx="9070560" cy="1567800"/>
+            <a:off x="504000" y="1326600"/>
+            <a:ext cx="9072000" cy="1568520"/>
           </a:xfrm>
           <a:prstGeom prst="rect">
             <a:avLst/>
@@ -1549,7 +1550,7 @@
             <a:normAutofit/>
           </a:bodyPr>
           <a:p>
-            <a:endParaRPr b="0" lang="en-US" sz="2880" spc="-1" strike="noStrike">
+            <a:endParaRPr b="0" lang="en-US" sz="3200" spc="-1" strike="noStrike">
               <a:latin typeface="Arial"/>
             </a:endParaRPr>
           </a:p>
@@ -1567,8 +1568,8 @@
         </p:nvSpPr>
         <p:spPr>
           <a:xfrm>
-            <a:off x="503640" y="3043440"/>
-            <a:ext cx="9070560" cy="1567800"/>
+            <a:off x="504000" y="3044520"/>
+            <a:ext cx="9072000" cy="1568520"/>
           </a:xfrm>
           <a:prstGeom prst="rect">
             <a:avLst/>
@@ -1579,7 +1580,7 @@
             <a:normAutofit/>
           </a:bodyPr>
           <a:p>
-            <a:endParaRPr b="0" lang="en-US" sz="2880" spc="-1" strike="noStrike">
+            <a:endParaRPr b="0" lang="en-US" sz="3200" spc="-1" strike="noStrike">
               <a:latin typeface="Arial"/>
             </a:endParaRPr>
           </a:p>
@@ -1619,8 +1620,8 @@
         </p:nvSpPr>
         <p:spPr>
           <a:xfrm>
-            <a:off x="503640" y="225360"/>
-            <a:ext cx="9070560" cy="946440"/>
+            <a:off x="504000" y="226080"/>
+            <a:ext cx="9072000" cy="946440"/>
           </a:xfrm>
           <a:prstGeom prst="rect">
             <a:avLst/>
@@ -1632,7 +1633,7 @@
           </a:bodyPr>
           <a:p>
             <a:pPr algn="ctr"/>
-            <a:endParaRPr b="0" lang="en-US" sz="3959" spc="-1" strike="noStrike">
+            <a:endParaRPr b="0" lang="en-US" sz="4400" spc="-1" strike="noStrike">
               <a:latin typeface="Arial"/>
             </a:endParaRPr>
           </a:p>
@@ -1650,8 +1651,8 @@
         </p:nvSpPr>
         <p:spPr>
           <a:xfrm>
-            <a:off x="503640" y="1326240"/>
-            <a:ext cx="4426200" cy="1567800"/>
+            <a:off x="504000" y="1326600"/>
+            <a:ext cx="4426920" cy="1568520"/>
           </a:xfrm>
           <a:prstGeom prst="rect">
             <a:avLst/>
@@ -1662,7 +1663,7 @@
             <a:normAutofit/>
           </a:bodyPr>
           <a:p>
-            <a:endParaRPr b="0" lang="en-US" sz="2880" spc="-1" strike="noStrike">
+            <a:endParaRPr b="0" lang="en-US" sz="3200" spc="-1" strike="noStrike">
               <a:latin typeface="Arial"/>
             </a:endParaRPr>
           </a:p>
@@ -1680,8 +1681,8 @@
         </p:nvSpPr>
         <p:spPr>
           <a:xfrm>
-            <a:off x="5151600" y="1326240"/>
-            <a:ext cx="4426200" cy="1567800"/>
+            <a:off x="5152680" y="1326600"/>
+            <a:ext cx="4426920" cy="1568520"/>
           </a:xfrm>
           <a:prstGeom prst="rect">
             <a:avLst/>
@@ -1692,7 +1693,7 @@
             <a:normAutofit/>
           </a:bodyPr>
           <a:p>
-            <a:endParaRPr b="0" lang="en-US" sz="2880" spc="-1" strike="noStrike">
+            <a:endParaRPr b="0" lang="en-US" sz="3200" spc="-1" strike="noStrike">
               <a:latin typeface="Arial"/>
             </a:endParaRPr>
           </a:p>
@@ -1710,8 +1711,8 @@
         </p:nvSpPr>
         <p:spPr>
           <a:xfrm>
-            <a:off x="503640" y="3043440"/>
-            <a:ext cx="4426200" cy="1567800"/>
+            <a:off x="504000" y="3044520"/>
+            <a:ext cx="4426920" cy="1568520"/>
           </a:xfrm>
           <a:prstGeom prst="rect">
             <a:avLst/>
@@ -1722,7 +1723,7 @@
             <a:normAutofit/>
           </a:bodyPr>
           <a:p>
-            <a:endParaRPr b="0" lang="en-US" sz="2880" spc="-1" strike="noStrike">
+            <a:endParaRPr b="0" lang="en-US" sz="3200" spc="-1" strike="noStrike">
               <a:latin typeface="Arial"/>
             </a:endParaRPr>
           </a:p>
@@ -1740,8 +1741,8 @@
         </p:nvSpPr>
         <p:spPr>
           <a:xfrm>
-            <a:off x="5151600" y="3043440"/>
-            <a:ext cx="4426200" cy="1567800"/>
+            <a:off x="5152680" y="3044520"/>
+            <a:ext cx="4426920" cy="1568520"/>
           </a:xfrm>
           <a:prstGeom prst="rect">
             <a:avLst/>
@@ -1752,7 +1753,7 @@
             <a:normAutofit/>
           </a:bodyPr>
           <a:p>
-            <a:endParaRPr b="0" lang="en-US" sz="2880" spc="-1" strike="noStrike">
+            <a:endParaRPr b="0" lang="en-US" sz="3200" spc="-1" strike="noStrike">
               <a:latin typeface="Arial"/>
             </a:endParaRPr>
           </a:p>
@@ -1792,8 +1793,8 @@
         </p:nvSpPr>
         <p:spPr>
           <a:xfrm>
-            <a:off x="503640" y="225360"/>
-            <a:ext cx="9070560" cy="946440"/>
+            <a:off x="504000" y="226080"/>
+            <a:ext cx="9072000" cy="946440"/>
           </a:xfrm>
           <a:prstGeom prst="rect">
             <a:avLst/>
@@ -1805,7 +1806,7 @@
           </a:bodyPr>
           <a:p>
             <a:pPr algn="ctr"/>
-            <a:endParaRPr b="0" lang="en-US" sz="3959" spc="-1" strike="noStrike">
+            <a:endParaRPr b="0" lang="en-US" sz="4400" spc="-1" strike="noStrike">
               <a:latin typeface="Arial"/>
             </a:endParaRPr>
           </a:p>
@@ -1823,8 +1824,8 @@
         </p:nvSpPr>
         <p:spPr>
           <a:xfrm>
-            <a:off x="503640" y="1326240"/>
-            <a:ext cx="2920320" cy="1567800"/>
+            <a:off x="504000" y="1326600"/>
+            <a:ext cx="2921040" cy="1568520"/>
           </a:xfrm>
           <a:prstGeom prst="rect">
             <a:avLst/>
@@ -1835,7 +1836,7 @@
             <a:normAutofit/>
           </a:bodyPr>
           <a:p>
-            <a:endParaRPr b="0" lang="en-US" sz="2880" spc="-1" strike="noStrike">
+            <a:endParaRPr b="0" lang="en-US" sz="3200" spc="-1" strike="noStrike">
               <a:latin typeface="Arial"/>
             </a:endParaRPr>
           </a:p>
@@ -1853,8 +1854,8 @@
         </p:nvSpPr>
         <p:spPr>
           <a:xfrm>
-            <a:off x="3570480" y="1326240"/>
-            <a:ext cx="2920320" cy="1567800"/>
+            <a:off x="3571560" y="1326600"/>
+            <a:ext cx="2921040" cy="1568520"/>
           </a:xfrm>
           <a:prstGeom prst="rect">
             <a:avLst/>
@@ -1865,7 +1866,7 @@
             <a:normAutofit/>
           </a:bodyPr>
           <a:p>
-            <a:endParaRPr b="0" lang="en-US" sz="2880" spc="-1" strike="noStrike">
+            <a:endParaRPr b="0" lang="en-US" sz="3200" spc="-1" strike="noStrike">
               <a:latin typeface="Arial"/>
             </a:endParaRPr>
           </a:p>
@@ -1883,8 +1884,8 @@
         </p:nvSpPr>
         <p:spPr>
           <a:xfrm>
-            <a:off x="6636960" y="1326240"/>
-            <a:ext cx="2920320" cy="1567800"/>
+            <a:off x="6639120" y="1326600"/>
+            <a:ext cx="2921040" cy="1568520"/>
           </a:xfrm>
           <a:prstGeom prst="rect">
             <a:avLst/>
@@ -1895,7 +1896,7 @@
             <a:normAutofit/>
           </a:bodyPr>
           <a:p>
-            <a:endParaRPr b="0" lang="en-US" sz="2880" spc="-1" strike="noStrike">
+            <a:endParaRPr b="0" lang="en-US" sz="3200" spc="-1" strike="noStrike">
               <a:latin typeface="Arial"/>
             </a:endParaRPr>
           </a:p>
@@ -1913,8 +1914,8 @@
         </p:nvSpPr>
         <p:spPr>
           <a:xfrm>
-            <a:off x="503640" y="3043440"/>
-            <a:ext cx="2920320" cy="1567800"/>
+            <a:off x="504000" y="3044520"/>
+            <a:ext cx="2921040" cy="1568520"/>
           </a:xfrm>
           <a:prstGeom prst="rect">
             <a:avLst/>
@@ -1925,7 +1926,7 @@
             <a:normAutofit/>
           </a:bodyPr>
           <a:p>
-            <a:endParaRPr b="0" lang="en-US" sz="2880" spc="-1" strike="noStrike">
+            <a:endParaRPr b="0" lang="en-US" sz="3200" spc="-1" strike="noStrike">
               <a:latin typeface="Arial"/>
             </a:endParaRPr>
           </a:p>
@@ -1943,8 +1944,8 @@
         </p:nvSpPr>
         <p:spPr>
           <a:xfrm>
-            <a:off x="3570480" y="3043440"/>
-            <a:ext cx="2920320" cy="1567800"/>
+            <a:off x="3571560" y="3044520"/>
+            <a:ext cx="2921040" cy="1568520"/>
           </a:xfrm>
           <a:prstGeom prst="rect">
             <a:avLst/>
@@ -1955,7 +1956,7 @@
             <a:normAutofit/>
           </a:bodyPr>
           <a:p>
-            <a:endParaRPr b="0" lang="en-US" sz="2880" spc="-1" strike="noStrike">
+            <a:endParaRPr b="0" lang="en-US" sz="3200" spc="-1" strike="noStrike">
               <a:latin typeface="Arial"/>
             </a:endParaRPr>
           </a:p>
@@ -1973,8 +1974,8 @@
         </p:nvSpPr>
         <p:spPr>
           <a:xfrm>
-            <a:off x="6636960" y="3043440"/>
-            <a:ext cx="2920320" cy="1567800"/>
+            <a:off x="6639120" y="3044520"/>
+            <a:ext cx="2921040" cy="1568520"/>
           </a:xfrm>
           <a:prstGeom prst="rect">
             <a:avLst/>
@@ -1985,7 +1986,7 @@
             <a:normAutofit/>
           </a:bodyPr>
           <a:p>
-            <a:endParaRPr b="0" lang="en-US" sz="2880" spc="-1" strike="noStrike">
+            <a:endParaRPr b="0" lang="en-US" sz="3200" spc="-1" strike="noStrike">
               <a:latin typeface="Arial"/>
             </a:endParaRPr>
           </a:p>
@@ -2025,8 +2026,8 @@
         </p:nvSpPr>
         <p:spPr>
           <a:xfrm>
-            <a:off x="503640" y="225360"/>
-            <a:ext cx="9070560" cy="946440"/>
+            <a:off x="504000" y="226080"/>
+            <a:ext cx="9072000" cy="946440"/>
           </a:xfrm>
           <a:prstGeom prst="rect">
             <a:avLst/>
@@ -2038,7 +2039,7 @@
           </a:bodyPr>
           <a:p>
             <a:pPr algn="ctr"/>
-            <a:endParaRPr b="0" lang="en-US" sz="3959" spc="-1" strike="noStrike">
+            <a:endParaRPr b="0" lang="en-US" sz="4400" spc="-1" strike="noStrike">
               <a:latin typeface="Arial"/>
             </a:endParaRPr>
           </a:p>
@@ -2056,8 +2057,8 @@
         </p:nvSpPr>
         <p:spPr>
           <a:xfrm>
-            <a:off x="503640" y="1326240"/>
-            <a:ext cx="9070560" cy="3287520"/>
+            <a:off x="504000" y="1326600"/>
+            <a:ext cx="9072000" cy="3288600"/>
           </a:xfrm>
           <a:prstGeom prst="rect">
             <a:avLst/>
@@ -2068,7 +2069,7 @@
             <a:normAutofit/>
           </a:bodyPr>
           <a:p>
-            <a:endParaRPr b="0" lang="en-US" sz="2880" spc="-1" strike="noStrike">
+            <a:endParaRPr b="0" lang="en-US" sz="3200" spc="-1" strike="noStrike">
               <a:latin typeface="Arial"/>
             </a:endParaRPr>
           </a:p>
@@ -2108,8 +2109,8 @@
         </p:nvSpPr>
         <p:spPr>
           <a:xfrm>
-            <a:off x="503640" y="225360"/>
-            <a:ext cx="9070560" cy="946440"/>
+            <a:off x="504000" y="226080"/>
+            <a:ext cx="9072000" cy="946440"/>
           </a:xfrm>
           <a:prstGeom prst="rect">
             <a:avLst/>
@@ -2121,7 +2122,7 @@
           </a:bodyPr>
           <a:p>
             <a:pPr algn="ctr"/>
-            <a:endParaRPr b="0" lang="en-US" sz="3959" spc="-1" strike="noStrike">
+            <a:endParaRPr b="0" lang="en-US" sz="4400" spc="-1" strike="noStrike">
               <a:latin typeface="Arial"/>
             </a:endParaRPr>
           </a:p>
@@ -2139,8 +2140,8 @@
         </p:nvSpPr>
         <p:spPr>
           <a:xfrm>
-            <a:off x="503640" y="1326240"/>
-            <a:ext cx="4426200" cy="3287520"/>
+            <a:off x="504000" y="1326600"/>
+            <a:ext cx="4426920" cy="3288600"/>
           </a:xfrm>
           <a:prstGeom prst="rect">
             <a:avLst/>
@@ -2151,7 +2152,7 @@
             <a:normAutofit/>
           </a:bodyPr>
           <a:p>
-            <a:endParaRPr b="0" lang="en-US" sz="2880" spc="-1" strike="noStrike">
+            <a:endParaRPr b="0" lang="en-US" sz="3200" spc="-1" strike="noStrike">
               <a:latin typeface="Arial"/>
             </a:endParaRPr>
           </a:p>
@@ -2169,8 +2170,8 @@
         </p:nvSpPr>
         <p:spPr>
           <a:xfrm>
-            <a:off x="5151600" y="1326240"/>
-            <a:ext cx="4426200" cy="3287520"/>
+            <a:off x="5152680" y="1326600"/>
+            <a:ext cx="4426920" cy="3288600"/>
           </a:xfrm>
           <a:prstGeom prst="rect">
             <a:avLst/>
@@ -2181,7 +2182,7 @@
             <a:normAutofit/>
           </a:bodyPr>
           <a:p>
-            <a:endParaRPr b="0" lang="en-US" sz="2880" spc="-1" strike="noStrike">
+            <a:endParaRPr b="0" lang="en-US" sz="3200" spc="-1" strike="noStrike">
               <a:latin typeface="Arial"/>
             </a:endParaRPr>
           </a:p>
@@ -2221,8 +2222,8 @@
         </p:nvSpPr>
         <p:spPr>
           <a:xfrm>
-            <a:off x="503640" y="225360"/>
-            <a:ext cx="9070560" cy="946440"/>
+            <a:off x="504000" y="226080"/>
+            <a:ext cx="9072000" cy="946440"/>
           </a:xfrm>
           <a:prstGeom prst="rect">
             <a:avLst/>
@@ -2234,7 +2235,7 @@
           </a:bodyPr>
           <a:p>
             <a:pPr algn="ctr"/>
-            <a:endParaRPr b="0" lang="en-US" sz="3959" spc="-1" strike="noStrike">
+            <a:endParaRPr b="0" lang="en-US" sz="4400" spc="-1" strike="noStrike">
               <a:latin typeface="Arial"/>
             </a:endParaRPr>
           </a:p>
@@ -2274,8 +2275,8 @@
         </p:nvSpPr>
         <p:spPr>
           <a:xfrm>
-            <a:off x="503640" y="225360"/>
-            <a:ext cx="9070560" cy="4388400"/>
+            <a:off x="504000" y="226080"/>
+            <a:ext cx="9072000" cy="4388400"/>
           </a:xfrm>
           <a:prstGeom prst="rect">
             <a:avLst/>
@@ -2327,8 +2328,8 @@
         </p:nvSpPr>
         <p:spPr>
           <a:xfrm>
-            <a:off x="503640" y="225360"/>
-            <a:ext cx="9070560" cy="946440"/>
+            <a:off x="504000" y="226080"/>
+            <a:ext cx="9072000" cy="946440"/>
           </a:xfrm>
           <a:prstGeom prst="rect">
             <a:avLst/>
@@ -2340,7 +2341,7 @@
           </a:bodyPr>
           <a:p>
             <a:pPr algn="ctr"/>
-            <a:endParaRPr b="0" lang="en-US" sz="3959" spc="-1" strike="noStrike">
+            <a:endParaRPr b="0" lang="en-US" sz="4400" spc="-1" strike="noStrike">
               <a:latin typeface="Arial"/>
             </a:endParaRPr>
           </a:p>
@@ -2358,8 +2359,8 @@
         </p:nvSpPr>
         <p:spPr>
           <a:xfrm>
-            <a:off x="503640" y="1326240"/>
-            <a:ext cx="4426200" cy="1567800"/>
+            <a:off x="504000" y="1326600"/>
+            <a:ext cx="4426920" cy="1568520"/>
           </a:xfrm>
           <a:prstGeom prst="rect">
             <a:avLst/>
@@ -2370,7 +2371,7 @@
             <a:normAutofit/>
           </a:bodyPr>
           <a:p>
-            <a:endParaRPr b="0" lang="en-US" sz="2880" spc="-1" strike="noStrike">
+            <a:endParaRPr b="0" lang="en-US" sz="3200" spc="-1" strike="noStrike">
               <a:latin typeface="Arial"/>
             </a:endParaRPr>
           </a:p>
@@ -2388,8 +2389,8 @@
         </p:nvSpPr>
         <p:spPr>
           <a:xfrm>
-            <a:off x="5151600" y="1326240"/>
-            <a:ext cx="4426200" cy="3287520"/>
+            <a:off x="5152680" y="1326600"/>
+            <a:ext cx="4426920" cy="3288600"/>
           </a:xfrm>
           <a:prstGeom prst="rect">
             <a:avLst/>
@@ -2400,7 +2401,7 @@
             <a:normAutofit/>
           </a:bodyPr>
           <a:p>
-            <a:endParaRPr b="0" lang="en-US" sz="2880" spc="-1" strike="noStrike">
+            <a:endParaRPr b="0" lang="en-US" sz="3200" spc="-1" strike="noStrike">
               <a:latin typeface="Arial"/>
             </a:endParaRPr>
           </a:p>
@@ -2418,8 +2419,8 @@
         </p:nvSpPr>
         <p:spPr>
           <a:xfrm>
-            <a:off x="503640" y="3043440"/>
-            <a:ext cx="4426200" cy="1567800"/>
+            <a:off x="504000" y="3044520"/>
+            <a:ext cx="4426920" cy="1568520"/>
           </a:xfrm>
           <a:prstGeom prst="rect">
             <a:avLst/>
@@ -2430,7 +2431,7 @@
             <a:normAutofit/>
           </a:bodyPr>
           <a:p>
-            <a:endParaRPr b="0" lang="en-US" sz="2880" spc="-1" strike="noStrike">
+            <a:endParaRPr b="0" lang="en-US" sz="3200" spc="-1" strike="noStrike">
               <a:latin typeface="Arial"/>
             </a:endParaRPr>
           </a:p>
@@ -2470,8 +2471,8 @@
         </p:nvSpPr>
         <p:spPr>
           <a:xfrm>
-            <a:off x="503640" y="225360"/>
-            <a:ext cx="9070560" cy="946440"/>
+            <a:off x="504000" y="226080"/>
+            <a:ext cx="9072000" cy="946440"/>
           </a:xfrm>
           <a:prstGeom prst="rect">
             <a:avLst/>
@@ -2483,7 +2484,7 @@
           </a:bodyPr>
           <a:p>
             <a:pPr algn="ctr"/>
-            <a:endParaRPr b="0" lang="en-US" sz="3959" spc="-1" strike="noStrike">
+            <a:endParaRPr b="0" lang="en-US" sz="4400" spc="-1" strike="noStrike">
               <a:latin typeface="Arial"/>
             </a:endParaRPr>
           </a:p>
@@ -2501,8 +2502,8 @@
         </p:nvSpPr>
         <p:spPr>
           <a:xfrm>
-            <a:off x="503640" y="1326240"/>
-            <a:ext cx="4426200" cy="3287520"/>
+            <a:off x="504000" y="1326600"/>
+            <a:ext cx="4426920" cy="3288600"/>
           </a:xfrm>
           <a:prstGeom prst="rect">
             <a:avLst/>
@@ -2513,7 +2514,7 @@
             <a:normAutofit/>
           </a:bodyPr>
           <a:p>
-            <a:endParaRPr b="0" lang="en-US" sz="2880" spc="-1" strike="noStrike">
+            <a:endParaRPr b="0" lang="en-US" sz="3200" spc="-1" strike="noStrike">
               <a:latin typeface="Arial"/>
             </a:endParaRPr>
           </a:p>
@@ -2531,8 +2532,8 @@
         </p:nvSpPr>
         <p:spPr>
           <a:xfrm>
-            <a:off x="5151600" y="1326240"/>
-            <a:ext cx="4426200" cy="1567800"/>
+            <a:off x="5152680" y="1326600"/>
+            <a:ext cx="4426920" cy="1568520"/>
           </a:xfrm>
           <a:prstGeom prst="rect">
             <a:avLst/>
@@ -2543,7 +2544,7 @@
             <a:normAutofit/>
           </a:bodyPr>
           <a:p>
-            <a:endParaRPr b="0" lang="en-US" sz="2880" spc="-1" strike="noStrike">
+            <a:endParaRPr b="0" lang="en-US" sz="3200" spc="-1" strike="noStrike">
               <a:latin typeface="Arial"/>
             </a:endParaRPr>
           </a:p>
@@ -2561,8 +2562,8 @@
         </p:nvSpPr>
         <p:spPr>
           <a:xfrm>
-            <a:off x="5151600" y="3043440"/>
-            <a:ext cx="4426200" cy="1567800"/>
+            <a:off x="5152680" y="3044520"/>
+            <a:ext cx="4426920" cy="1568520"/>
           </a:xfrm>
           <a:prstGeom prst="rect">
             <a:avLst/>
@@ -2573,7 +2574,7 @@
             <a:normAutofit/>
           </a:bodyPr>
           <a:p>
-            <a:endParaRPr b="0" lang="en-US" sz="2880" spc="-1" strike="noStrike">
+            <a:endParaRPr b="0" lang="en-US" sz="3200" spc="-1" strike="noStrike">
               <a:latin typeface="Arial"/>
             </a:endParaRPr>
           </a:p>
@@ -2613,8 +2614,8 @@
         </p:nvSpPr>
         <p:spPr>
           <a:xfrm>
-            <a:off x="503640" y="225360"/>
-            <a:ext cx="9070560" cy="946440"/>
+            <a:off x="504000" y="226080"/>
+            <a:ext cx="9072000" cy="946440"/>
           </a:xfrm>
           <a:prstGeom prst="rect">
             <a:avLst/>
@@ -2626,7 +2627,7 @@
           </a:bodyPr>
           <a:p>
             <a:pPr algn="ctr"/>
-            <a:endParaRPr b="0" lang="en-US" sz="3959" spc="-1" strike="noStrike">
+            <a:endParaRPr b="0" lang="en-US" sz="4400" spc="-1" strike="noStrike">
               <a:latin typeface="Arial"/>
             </a:endParaRPr>
           </a:p>
@@ -2644,8 +2645,8 @@
         </p:nvSpPr>
         <p:spPr>
           <a:xfrm>
-            <a:off x="503640" y="1326240"/>
-            <a:ext cx="4426200" cy="1567800"/>
+            <a:off x="504000" y="1326600"/>
+            <a:ext cx="4426920" cy="1568520"/>
           </a:xfrm>
           <a:prstGeom prst="rect">
             <a:avLst/>
@@ -2656,7 +2657,7 @@
             <a:normAutofit/>
           </a:bodyPr>
           <a:p>
-            <a:endParaRPr b="0" lang="en-US" sz="2880" spc="-1" strike="noStrike">
+            <a:endParaRPr b="0" lang="en-US" sz="3200" spc="-1" strike="noStrike">
               <a:latin typeface="Arial"/>
             </a:endParaRPr>
           </a:p>
@@ -2674,8 +2675,8 @@
         </p:nvSpPr>
         <p:spPr>
           <a:xfrm>
-            <a:off x="5151600" y="1326240"/>
-            <a:ext cx="4426200" cy="1567800"/>
+            <a:off x="5152680" y="1326600"/>
+            <a:ext cx="4426920" cy="1568520"/>
           </a:xfrm>
           <a:prstGeom prst="rect">
             <a:avLst/>
@@ -2686,7 +2687,7 @@
             <a:normAutofit/>
           </a:bodyPr>
           <a:p>
-            <a:endParaRPr b="0" lang="en-US" sz="2880" spc="-1" strike="noStrike">
+            <a:endParaRPr b="0" lang="en-US" sz="3200" spc="-1" strike="noStrike">
               <a:latin typeface="Arial"/>
             </a:endParaRPr>
           </a:p>
@@ -2704,8 +2705,8 @@
         </p:nvSpPr>
         <p:spPr>
           <a:xfrm>
-            <a:off x="503640" y="3043440"/>
-            <a:ext cx="9070560" cy="1567800"/>
+            <a:off x="504000" y="3044520"/>
+            <a:ext cx="9072000" cy="1568520"/>
           </a:xfrm>
           <a:prstGeom prst="rect">
             <a:avLst/>
@@ -2716,7 +2717,7 @@
             <a:normAutofit/>
           </a:bodyPr>
           <a:p>
-            <a:endParaRPr b="0" lang="en-US" sz="2880" spc="-1" strike="noStrike">
+            <a:endParaRPr b="0" lang="en-US" sz="3200" spc="-1" strike="noStrike">
               <a:latin typeface="Arial"/>
             </a:endParaRPr>
           </a:p>
@@ -2766,8 +2767,8 @@
         </p:nvSpPr>
         <p:spPr>
           <a:xfrm>
-            <a:off x="503640" y="225360"/>
-            <a:ext cx="9070560" cy="946440"/>
+            <a:off x="504000" y="226080"/>
+            <a:ext cx="9072000" cy="946440"/>
           </a:xfrm>
           <a:prstGeom prst="rect">
             <a:avLst/>
@@ -2778,13 +2779,14 @@
             <a:noAutofit/>
           </a:bodyPr>
           <a:p>
+            <a:pPr algn="ctr"/>
             <a:r>
-              <a:rPr b="0" lang="en-US" sz="1800" spc="-1" strike="noStrike">
+              <a:rPr b="0" lang="en-US" sz="4400" spc="-1" strike="noStrike">
                 <a:latin typeface="Arial"/>
               </a:rPr>
               <a:t>Click to edit the title text format</a:t>
             </a:r>
-            <a:endParaRPr b="0" lang="en-US" sz="1800" spc="-1" strike="noStrike">
+            <a:endParaRPr b="0" lang="en-US" sz="4400" spc="-1" strike="noStrike">
               <a:latin typeface="Arial"/>
             </a:endParaRPr>
           </a:p>
@@ -2802,8 +2804,8 @@
         </p:nvSpPr>
         <p:spPr>
           <a:xfrm>
-            <a:off x="503640" y="1326240"/>
-            <a:ext cx="9070560" cy="3287520"/>
+            <a:off x="504000" y="1326600"/>
+            <a:ext cx="9072000" cy="3288600"/>
           </a:xfrm>
           <a:prstGeom prst="rect">
             <a:avLst/>
@@ -2816,7 +2818,7 @@
           <a:p>
             <a:pPr marL="432000" indent="-324000">
               <a:spcBef>
-                <a:spcPts val="1273"/>
+                <a:spcPts val="1417"/>
               </a:spcBef>
               <a:buClr>
                 <a:srgbClr val="000000"/>
@@ -2826,19 +2828,19 @@
               <a:buChar char=""/>
             </a:pPr>
             <a:r>
-              <a:rPr b="0" lang="en-US" sz="1800" spc="-1" strike="noStrike">
+              <a:rPr b="0" lang="en-US" sz="3200" spc="-1" strike="noStrike">
                 <a:latin typeface="Arial"/>
               </a:rPr>
               <a:t>Click to edit the outline text format</a:t>
             </a:r>
-            <a:endParaRPr b="0" lang="en-US" sz="1800" spc="-1" strike="noStrike">
+            <a:endParaRPr b="0" lang="en-US" sz="3200" spc="-1" strike="noStrike">
               <a:latin typeface="Arial"/>
             </a:endParaRPr>
           </a:p>
           <a:p>
             <a:pPr lvl="1" marL="864000" indent="-324000">
               <a:spcBef>
-                <a:spcPts val="1018"/>
+                <a:spcPts val="1134"/>
               </a:spcBef>
               <a:buClr>
                 <a:srgbClr val="000000"/>
@@ -2848,19 +2850,19 @@
               <a:buChar char=""/>
             </a:pPr>
             <a:r>
-              <a:rPr b="0" lang="en-US" sz="1800" spc="-1" strike="noStrike">
+              <a:rPr b="0" lang="en-US" sz="2800" spc="-1" strike="noStrike">
                 <a:latin typeface="Arial"/>
               </a:rPr>
               <a:t>Second Outline Level</a:t>
             </a:r>
-            <a:endParaRPr b="0" lang="en-US" sz="1800" spc="-1" strike="noStrike">
+            <a:endParaRPr b="0" lang="en-US" sz="2800" spc="-1" strike="noStrike">
               <a:latin typeface="Arial"/>
             </a:endParaRPr>
           </a:p>
           <a:p>
             <a:pPr lvl="2" marL="1296000" indent="-288000">
               <a:spcBef>
-                <a:spcPts val="763"/>
+                <a:spcPts val="850"/>
               </a:spcBef>
               <a:buClr>
                 <a:srgbClr val="000000"/>
@@ -2870,19 +2872,19 @@
               <a:buChar char=""/>
             </a:pPr>
             <a:r>
-              <a:rPr b="0" lang="en-US" sz="1800" spc="-1" strike="noStrike">
+              <a:rPr b="0" lang="en-US" sz="2400" spc="-1" strike="noStrike">
                 <a:latin typeface="Arial"/>
               </a:rPr>
               <a:t>Third Outline Level</a:t>
             </a:r>
-            <a:endParaRPr b="0" lang="en-US" sz="1800" spc="-1" strike="noStrike">
+            <a:endParaRPr b="0" lang="en-US" sz="2400" spc="-1" strike="noStrike">
               <a:latin typeface="Arial"/>
             </a:endParaRPr>
           </a:p>
           <a:p>
             <a:pPr lvl="3" marL="1728000" indent="-216000">
               <a:spcBef>
-                <a:spcPts val="507"/>
+                <a:spcPts val="567"/>
               </a:spcBef>
               <a:buClr>
                 <a:srgbClr val="000000"/>
@@ -2892,19 +2894,19 @@
               <a:buChar char=""/>
             </a:pPr>
             <a:r>
-              <a:rPr b="0" lang="en-US" sz="1800" spc="-1" strike="noStrike">
+              <a:rPr b="0" lang="en-US" sz="2000" spc="-1" strike="noStrike">
                 <a:latin typeface="Arial"/>
               </a:rPr>
               <a:t>Fourth Outline Level</a:t>
             </a:r>
-            <a:endParaRPr b="0" lang="en-US" sz="1800" spc="-1" strike="noStrike">
+            <a:endParaRPr b="0" lang="en-US" sz="2000" spc="-1" strike="noStrike">
               <a:latin typeface="Arial"/>
             </a:endParaRPr>
           </a:p>
           <a:p>
             <a:pPr lvl="4" marL="2160000" indent="-216000">
               <a:spcBef>
-                <a:spcPts val="252"/>
+                <a:spcPts val="283"/>
               </a:spcBef>
               <a:buClr>
                 <a:srgbClr val="000000"/>
@@ -2914,19 +2916,19 @@
               <a:buChar char=""/>
             </a:pPr>
             <a:r>
-              <a:rPr b="0" lang="en-US" sz="1800" spc="-1" strike="noStrike">
+              <a:rPr b="0" lang="en-US" sz="2000" spc="-1" strike="noStrike">
                 <a:latin typeface="Arial"/>
               </a:rPr>
               <a:t>Fifth Outline Level</a:t>
             </a:r>
-            <a:endParaRPr b="0" lang="en-US" sz="1800" spc="-1" strike="noStrike">
+            <a:endParaRPr b="0" lang="en-US" sz="2000" spc="-1" strike="noStrike">
               <a:latin typeface="Arial"/>
             </a:endParaRPr>
           </a:p>
           <a:p>
             <a:pPr lvl="5" marL="2592000" indent="-216000">
               <a:spcBef>
-                <a:spcPts val="252"/>
+                <a:spcPts val="283"/>
               </a:spcBef>
               <a:buClr>
                 <a:srgbClr val="000000"/>
@@ -2936,19 +2938,19 @@
               <a:buChar char=""/>
             </a:pPr>
             <a:r>
-              <a:rPr b="0" lang="en-US" sz="1800" spc="-1" strike="noStrike">
+              <a:rPr b="0" lang="en-US" sz="2000" spc="-1" strike="noStrike">
                 <a:latin typeface="Arial"/>
               </a:rPr>
               <a:t>Sixth Outline Level</a:t>
             </a:r>
-            <a:endParaRPr b="0" lang="en-US" sz="1800" spc="-1" strike="noStrike">
+            <a:endParaRPr b="0" lang="en-US" sz="2000" spc="-1" strike="noStrike">
               <a:latin typeface="Arial"/>
             </a:endParaRPr>
           </a:p>
           <a:p>
             <a:pPr lvl="6" marL="3024000" indent="-216000">
               <a:spcBef>
-                <a:spcPts val="252"/>
+                <a:spcPts val="283"/>
               </a:spcBef>
               <a:buClr>
                 <a:srgbClr val="000000"/>
@@ -2958,12 +2960,12 @@
               <a:buChar char=""/>
             </a:pPr>
             <a:r>
-              <a:rPr b="0" lang="en-US" sz="1800" spc="-1" strike="noStrike">
+              <a:rPr b="0" lang="en-US" sz="2000" spc="-1" strike="noStrike">
                 <a:latin typeface="Arial"/>
               </a:rPr>
               <a:t>Seventh Outline Level</a:t>
             </a:r>
-            <a:endParaRPr b="0" lang="en-US" sz="1800" spc="-1" strike="noStrike">
+            <a:endParaRPr b="0" lang="en-US" sz="2000" spc="-1" strike="noStrike">
               <a:latin typeface="Arial"/>
             </a:endParaRPr>
           </a:p>
@@ -3028,8 +3030,8 @@
         </p:nvSpPr>
         <p:spPr>
           <a:xfrm>
-            <a:off x="503640" y="225360"/>
-            <a:ext cx="9070560" cy="946440"/>
+            <a:off x="504000" y="226080"/>
+            <a:ext cx="9072000" cy="946440"/>
           </a:xfrm>
           <a:prstGeom prst="rect">
             <a:avLst/>
@@ -3040,13 +3042,14 @@
             <a:noAutofit/>
           </a:bodyPr>
           <a:p>
+            <a:pPr algn="ctr"/>
             <a:r>
-              <a:rPr b="0" lang="en-US" sz="1800" spc="-1" strike="noStrike">
+              <a:rPr b="0" lang="en-US" sz="4400" spc="-1" strike="noStrike">
                 <a:latin typeface="Arial"/>
               </a:rPr>
               <a:t>Click to edit the title text format</a:t>
             </a:r>
-            <a:endParaRPr b="0" lang="en-US" sz="1800" spc="-1" strike="noStrike">
+            <a:endParaRPr b="0" lang="en-US" sz="4400" spc="-1" strike="noStrike">
               <a:latin typeface="Arial"/>
             </a:endParaRPr>
           </a:p>
@@ -3064,8 +3067,8 @@
         </p:nvSpPr>
         <p:spPr>
           <a:xfrm>
-            <a:off x="503640" y="1326240"/>
-            <a:ext cx="9070560" cy="3287520"/>
+            <a:off x="504000" y="1326600"/>
+            <a:ext cx="9072000" cy="3288600"/>
           </a:xfrm>
           <a:prstGeom prst="rect">
             <a:avLst/>
@@ -3078,7 +3081,7 @@
           <a:p>
             <a:pPr marL="432000" indent="-324000">
               <a:spcBef>
-                <a:spcPts val="1273"/>
+                <a:spcPts val="1417"/>
               </a:spcBef>
               <a:buClr>
                 <a:srgbClr val="000000"/>
@@ -3088,19 +3091,19 @@
               <a:buChar char=""/>
             </a:pPr>
             <a:r>
-              <a:rPr b="0" lang="en-US" sz="1800" spc="-1" strike="noStrike">
+              <a:rPr b="0" lang="en-US" sz="3200" spc="-1" strike="noStrike">
                 <a:latin typeface="Arial"/>
               </a:rPr>
               <a:t>Click to edit the outline text format</a:t>
             </a:r>
-            <a:endParaRPr b="0" lang="en-US" sz="1800" spc="-1" strike="noStrike">
+            <a:endParaRPr b="0" lang="en-US" sz="3200" spc="-1" strike="noStrike">
               <a:latin typeface="Arial"/>
             </a:endParaRPr>
           </a:p>
           <a:p>
             <a:pPr lvl="1" marL="864000" indent="-324000">
               <a:spcBef>
-                <a:spcPts val="1018"/>
+                <a:spcPts val="1134"/>
               </a:spcBef>
               <a:buClr>
                 <a:srgbClr val="000000"/>
@@ -3110,19 +3113,19 @@
               <a:buChar char=""/>
             </a:pPr>
             <a:r>
-              <a:rPr b="0" lang="en-US" sz="1800" spc="-1" strike="noStrike">
+              <a:rPr b="0" lang="en-US" sz="2800" spc="-1" strike="noStrike">
                 <a:latin typeface="Arial"/>
               </a:rPr>
               <a:t>Second Outline Level</a:t>
             </a:r>
-            <a:endParaRPr b="0" lang="en-US" sz="1800" spc="-1" strike="noStrike">
+            <a:endParaRPr b="0" lang="en-US" sz="2800" spc="-1" strike="noStrike">
               <a:latin typeface="Arial"/>
             </a:endParaRPr>
           </a:p>
           <a:p>
             <a:pPr lvl="2" marL="1296000" indent="-288000">
               <a:spcBef>
-                <a:spcPts val="763"/>
+                <a:spcPts val="850"/>
               </a:spcBef>
               <a:buClr>
                 <a:srgbClr val="000000"/>
@@ -3132,19 +3135,19 @@
               <a:buChar char=""/>
             </a:pPr>
             <a:r>
-              <a:rPr b="0" lang="en-US" sz="1800" spc="-1" strike="noStrike">
+              <a:rPr b="0" lang="en-US" sz="2400" spc="-1" strike="noStrike">
                 <a:latin typeface="Arial"/>
               </a:rPr>
               <a:t>Third Outline Level</a:t>
             </a:r>
-            <a:endParaRPr b="0" lang="en-US" sz="1800" spc="-1" strike="noStrike">
+            <a:endParaRPr b="0" lang="en-US" sz="2400" spc="-1" strike="noStrike">
               <a:latin typeface="Arial"/>
             </a:endParaRPr>
           </a:p>
           <a:p>
             <a:pPr lvl="3" marL="1728000" indent="-216000">
               <a:spcBef>
-                <a:spcPts val="507"/>
+                <a:spcPts val="567"/>
               </a:spcBef>
               <a:buClr>
                 <a:srgbClr val="000000"/>
@@ -3154,19 +3157,19 @@
               <a:buChar char=""/>
             </a:pPr>
             <a:r>
-              <a:rPr b="0" lang="en-US" sz="1800" spc="-1" strike="noStrike">
+              <a:rPr b="0" lang="en-US" sz="2000" spc="-1" strike="noStrike">
                 <a:latin typeface="Arial"/>
               </a:rPr>
               <a:t>Fourth Outline Level</a:t>
             </a:r>
-            <a:endParaRPr b="0" lang="en-US" sz="1800" spc="-1" strike="noStrike">
+            <a:endParaRPr b="0" lang="en-US" sz="2000" spc="-1" strike="noStrike">
               <a:latin typeface="Arial"/>
             </a:endParaRPr>
           </a:p>
           <a:p>
             <a:pPr lvl="4" marL="2160000" indent="-216000">
               <a:spcBef>
-                <a:spcPts val="252"/>
+                <a:spcPts val="283"/>
               </a:spcBef>
               <a:buClr>
                 <a:srgbClr val="000000"/>
@@ -3176,19 +3179,19 @@
               <a:buChar char=""/>
             </a:pPr>
             <a:r>
-              <a:rPr b="0" lang="en-US" sz="1800" spc="-1" strike="noStrike">
+              <a:rPr b="0" lang="en-US" sz="2000" spc="-1" strike="noStrike">
                 <a:latin typeface="Arial"/>
               </a:rPr>
               <a:t>Fifth Outline Level</a:t>
             </a:r>
-            <a:endParaRPr b="0" lang="en-US" sz="1800" spc="-1" strike="noStrike">
+            <a:endParaRPr b="0" lang="en-US" sz="2000" spc="-1" strike="noStrike">
               <a:latin typeface="Arial"/>
             </a:endParaRPr>
           </a:p>
           <a:p>
             <a:pPr lvl="5" marL="2592000" indent="-216000">
               <a:spcBef>
-                <a:spcPts val="252"/>
+                <a:spcPts val="283"/>
               </a:spcBef>
               <a:buClr>
                 <a:srgbClr val="000000"/>
@@ -3198,19 +3201,19 @@
               <a:buChar char=""/>
             </a:pPr>
             <a:r>
-              <a:rPr b="0" lang="en-US" sz="1800" spc="-1" strike="noStrike">
+              <a:rPr b="0" lang="en-US" sz="2000" spc="-1" strike="noStrike">
                 <a:latin typeface="Arial"/>
               </a:rPr>
               <a:t>Sixth Outline Level</a:t>
             </a:r>
-            <a:endParaRPr b="0" lang="en-US" sz="1800" spc="-1" strike="noStrike">
+            <a:endParaRPr b="0" lang="en-US" sz="2000" spc="-1" strike="noStrike">
               <a:latin typeface="Arial"/>
             </a:endParaRPr>
           </a:p>
           <a:p>
             <a:pPr lvl="6" marL="3024000" indent="-216000">
               <a:spcBef>
-                <a:spcPts val="252"/>
+                <a:spcPts val="283"/>
               </a:spcBef>
               <a:buClr>
                 <a:srgbClr val="000000"/>
@@ -3220,12 +3223,12 @@
               <a:buChar char=""/>
             </a:pPr>
             <a:r>
-              <a:rPr b="0" lang="en-US" sz="1800" spc="-1" strike="noStrike">
+              <a:rPr b="0" lang="en-US" sz="2000" spc="-1" strike="noStrike">
                 <a:latin typeface="Arial"/>
               </a:rPr>
               <a:t>Seventh Outline Level</a:t>
             </a:r>
-            <a:endParaRPr b="0" lang="en-US" sz="1800" spc="-1" strike="noStrike">
+            <a:endParaRPr b="0" lang="en-US" sz="2000" spc="-1" strike="noStrike">
               <a:latin typeface="Arial"/>
             </a:endParaRPr>
           </a:p>
@@ -3275,61 +3278,9 @@
           <a:chExt cx="0" cy="0"/>
         </a:xfrm>
       </p:grpSpPr>
-      <p:sp>
-        <p:nvSpPr>
-          <p:cNvPr id="76" name="CustomShape 1"/>
-          <p:cNvSpPr/>
-          <p:nvPr/>
-        </p:nvSpPr>
-        <p:spPr>
-          <a:xfrm>
-            <a:off x="503640" y="225360"/>
-            <a:ext cx="9070560" cy="946080"/>
-          </a:xfrm>
-          <a:prstGeom prst="rect">
-            <a:avLst/>
-          </a:prstGeom>
-          <a:noFill/>
-          <a:ln>
-            <a:noFill/>
-          </a:ln>
-        </p:spPr>
-        <p:style>
-          <a:lnRef idx="0"/>
-          <a:fillRef idx="0"/>
-          <a:effectRef idx="0"/>
-          <a:fontRef idx="minor"/>
-        </p:style>
-      </p:sp>
-      <p:sp>
-        <p:nvSpPr>
-          <p:cNvPr id="77" name="CustomShape 2"/>
-          <p:cNvSpPr/>
-          <p:nvPr/>
-        </p:nvSpPr>
-        <p:spPr>
-          <a:xfrm>
-            <a:off x="365400" y="1325880"/>
-            <a:ext cx="9234360" cy="3885120"/>
-          </a:xfrm>
-          <a:prstGeom prst="rect">
-            <a:avLst/>
-          </a:prstGeom>
-          <a:noFill/>
-          <a:ln>
-            <a:noFill/>
-          </a:ln>
-        </p:spPr>
-        <p:style>
-          <a:lnRef idx="0"/>
-          <a:fillRef idx="0"/>
-          <a:effectRef idx="0"/>
-          <a:fontRef idx="minor"/>
-        </p:style>
-      </p:sp>
       <p:pic>
         <p:nvPicPr>
-          <p:cNvPr id="78" name="" descr=""/>
+          <p:cNvPr id="76" name="" descr=""/>
           <p:cNvPicPr/>
           <p:nvPr/>
         </p:nvPicPr>
@@ -3339,8 +3290,8 @@
         </p:blipFill>
         <p:spPr>
           <a:xfrm>
-            <a:off x="-9000" y="0"/>
-            <a:ext cx="10084320" cy="5668920"/>
+            <a:off x="360" y="3600"/>
+            <a:ext cx="10080360" cy="5667120"/>
           </a:xfrm>
           <a:prstGeom prst="rect">
             <a:avLst/>
@@ -3352,14 +3303,66 @@
       </p:pic>
       <p:sp>
         <p:nvSpPr>
+          <p:cNvPr id="77" name="CustomShape 1"/>
+          <p:cNvSpPr/>
+          <p:nvPr/>
+        </p:nvSpPr>
+        <p:spPr>
+          <a:xfrm>
+            <a:off x="503640" y="225360"/>
+            <a:ext cx="9070200" cy="945720"/>
+          </a:xfrm>
+          <a:prstGeom prst="rect">
+            <a:avLst/>
+          </a:prstGeom>
+          <a:noFill/>
+          <a:ln>
+            <a:noFill/>
+          </a:ln>
+        </p:spPr>
+        <p:style>
+          <a:lnRef idx="0"/>
+          <a:fillRef idx="0"/>
+          <a:effectRef idx="0"/>
+          <a:fontRef idx="minor"/>
+        </p:style>
+      </p:sp>
+      <p:sp>
+        <p:nvSpPr>
+          <p:cNvPr id="78" name="CustomShape 2"/>
+          <p:cNvSpPr/>
+          <p:nvPr/>
+        </p:nvSpPr>
+        <p:spPr>
+          <a:xfrm>
+            <a:off x="365400" y="1325880"/>
+            <a:ext cx="9234000" cy="3884760"/>
+          </a:xfrm>
+          <a:prstGeom prst="rect">
+            <a:avLst/>
+          </a:prstGeom>
+          <a:noFill/>
+          <a:ln>
+            <a:noFill/>
+          </a:ln>
+        </p:spPr>
+        <p:style>
+          <a:lnRef idx="0"/>
+          <a:fillRef idx="0"/>
+          <a:effectRef idx="0"/>
+          <a:fontRef idx="minor"/>
+        </p:style>
+      </p:sp>
+      <p:sp>
+        <p:nvSpPr>
           <p:cNvPr id="79" name="CustomShape 3"/>
           <p:cNvSpPr/>
           <p:nvPr/>
         </p:nvSpPr>
         <p:spPr>
           <a:xfrm>
-            <a:off x="1777320" y="4023360"/>
-            <a:ext cx="7365600" cy="1319400"/>
+            <a:off x="1777320" y="3291840"/>
+            <a:ext cx="7365240" cy="2050560"/>
           </a:xfrm>
           <a:prstGeom prst="rect">
             <a:avLst/>
@@ -3395,7 +3398,11 @@
             </a:pPr>
             <a:r>
               <a:rPr b="0" lang="en-US" sz="1500" spc="-1" strike="noStrike">
+                <a:solidFill>
+                  <a:srgbClr val="000000"/>
+                </a:solidFill>
                 <a:latin typeface="Arial"/>
+                <a:ea typeface="DejaVu Sans"/>
               </a:rPr>
               <a:t>The row of buttons above will appear throughout the app usage.</a:t>
             </a:r>
@@ -3417,7 +3424,11 @@
             </a:pPr>
             <a:r>
               <a:rPr b="0" lang="en-US" sz="1500" spc="-1" strike="noStrike">
+                <a:solidFill>
+                  <a:srgbClr val="000000"/>
+                </a:solidFill>
                 <a:latin typeface="Arial"/>
+                <a:ea typeface="DejaVu Sans"/>
               </a:rPr>
               <a:t>1) Go back to the previous screen.</a:t>
             </a:r>
@@ -3439,7 +3450,11 @@
             </a:pPr>
             <a:r>
               <a:rPr b="0" lang="en-US" sz="1500" spc="-1" strike="noStrike">
+                <a:solidFill>
+                  <a:srgbClr val="000000"/>
+                </a:solidFill>
                 <a:latin typeface="Arial"/>
+                <a:ea typeface="DejaVu Sans"/>
               </a:rPr>
               <a:t>2) Open the Settings Dialog.</a:t>
             </a:r>
@@ -3447,6 +3462,32 @@
               <a:latin typeface="Arial"/>
             </a:endParaRPr>
           </a:p>
+          <a:p>
+            <a:pPr>
+              <a:lnSpc>
+                <a:spcPct val="100000"/>
+              </a:lnSpc>
+              <a:spcBef>
+                <a:spcPts val="720"/>
+              </a:spcBef>
+              <a:spcAft>
+                <a:spcPts val="720"/>
+              </a:spcAft>
+            </a:pPr>
+            <a:r>
+              <a:rPr b="0" lang="en-US" sz="1500" spc="-1" strike="noStrike">
+                <a:solidFill>
+                  <a:srgbClr val="000000"/>
+                </a:solidFill>
+                <a:latin typeface="Arial"/>
+                <a:ea typeface="DejaVu Sans"/>
+              </a:rPr>
+              <a:t>3) Open VrmlViewer, by default it will open the WORKING_DIR folder (users can find the VRML file in another folder)</a:t>
+            </a:r>
+            <a:endParaRPr b="0" lang="en-US" sz="1500" spc="-1" strike="noStrike">
+              <a:latin typeface="Arial"/>
+            </a:endParaRPr>
+          </a:p>
         </p:txBody>
       </p:sp>
       <p:sp>
@@ -3458,7 +3499,7 @@
         <p:spPr>
           <a:xfrm>
             <a:off x="456840" y="905040"/>
-            <a:ext cx="254520" cy="246600"/>
+            <a:ext cx="254160" cy="246240"/>
           </a:xfrm>
           <a:prstGeom prst="rect">
             <a:avLst/>
@@ -3513,7 +3554,7 @@
         <p:spPr>
           <a:xfrm rot="21598800">
             <a:off x="365400" y="494280"/>
-            <a:ext cx="9709200" cy="410400"/>
+            <a:ext cx="9708840" cy="410040"/>
           </a:xfrm>
           <a:prstGeom prst="rect">
             <a:avLst/>
@@ -3542,7 +3583,7 @@
         <p:spPr>
           <a:xfrm>
             <a:off x="9691920" y="906840"/>
-            <a:ext cx="290520" cy="258840"/>
+            <a:ext cx="290160" cy="258480"/>
           </a:xfrm>
           <a:prstGeom prst="rect">
             <a:avLst/>
@@ -3581,6 +3622,61 @@
                 <a:ea typeface="DejaVu Sans"/>
               </a:rPr>
               <a:t>2</a:t>
+            </a:r>
+            <a:endParaRPr b="0" lang="en-US" sz="2000" spc="-1" strike="noStrike">
+              <a:latin typeface="Arial"/>
+            </a:endParaRPr>
+          </a:p>
+        </p:txBody>
+      </p:sp>
+      <p:sp>
+        <p:nvSpPr>
+          <p:cNvPr id="83" name="CustomShape 7"/>
+          <p:cNvSpPr/>
+          <p:nvPr/>
+        </p:nvSpPr>
+        <p:spPr>
+          <a:xfrm>
+            <a:off x="9259920" y="906840"/>
+            <a:ext cx="290160" cy="258480"/>
+          </a:xfrm>
+          <a:prstGeom prst="rect">
+            <a:avLst/>
+          </a:prstGeom>
+          <a:solidFill>
+            <a:srgbClr val="ff0000"/>
+          </a:solidFill>
+          <a:ln>
+            <a:solidFill>
+              <a:srgbClr val="ff0000"/>
+            </a:solidFill>
+          </a:ln>
+        </p:spPr>
+        <p:style>
+          <a:lnRef idx="0"/>
+          <a:fillRef idx="0"/>
+          <a:effectRef idx="0"/>
+          <a:fontRef idx="minor"/>
+        </p:style>
+        <p:txBody>
+          <a:bodyPr wrap="none" lIns="90000" rIns="90000" tIns="45000" bIns="45000" anchor="ctr">
+            <a:noAutofit/>
+          </a:bodyPr>
+          <a:p>
+            <a:pPr algn="ctr">
+              <a:lnSpc>
+                <a:spcPct val="100000"/>
+              </a:lnSpc>
+            </a:pPr>
+            <a:r>
+              <a:rPr b="0" lang="en-US" sz="2000" spc="-1" strike="noStrike">
+                <a:solidFill>
+                  <a:srgbClr val="ffffff"/>
+                </a:solidFill>
+                <a:latin typeface="Arial"/>
+                <a:ea typeface="DejaVu Sans"/>
+              </a:rPr>
+              <a:t>3</a:t>
             </a:r>
             <a:endParaRPr b="0" lang="en-US" sz="2000" spc="-1" strike="noStrike">
               <a:latin typeface="Arial"/>
@@ -3620,14 +3716,14 @@
       </p:grpSpPr>
       <p:sp>
         <p:nvSpPr>
-          <p:cNvPr id="83" name="CustomShape 1"/>
+          <p:cNvPr id="84" name="CustomShape 1"/>
           <p:cNvSpPr/>
           <p:nvPr/>
         </p:nvSpPr>
         <p:spPr>
           <a:xfrm>
             <a:off x="503640" y="225360"/>
-            <a:ext cx="9070560" cy="946080"/>
+            <a:ext cx="9070200" cy="945720"/>
           </a:xfrm>
           <a:prstGeom prst="rect">
             <a:avLst/>
@@ -3646,14 +3742,14 @@
       </p:sp>
       <p:sp>
         <p:nvSpPr>
-          <p:cNvPr id="84" name="CustomShape 2"/>
+          <p:cNvPr id="85" name="CustomShape 2"/>
           <p:cNvSpPr/>
           <p:nvPr/>
         </p:nvSpPr>
         <p:spPr>
           <a:xfrm>
             <a:off x="503640" y="1326240"/>
-            <a:ext cx="9070560" cy="3287520"/>
+            <a:ext cx="9070200" cy="3287160"/>
           </a:xfrm>
           <a:prstGeom prst="rect">
             <a:avLst/>
@@ -3672,7 +3768,7 @@
       </p:sp>
       <p:pic>
         <p:nvPicPr>
-          <p:cNvPr id="85" name="" descr=""/>
+          <p:cNvPr id="86" name="" descr=""/>
           <p:cNvPicPr/>
           <p:nvPr/>
         </p:nvPicPr>
@@ -3683,7 +3779,7 @@
         <p:spPr>
           <a:xfrm>
             <a:off x="0" y="2160"/>
-            <a:ext cx="10078560" cy="5666760"/>
+            <a:ext cx="10078200" cy="5666400"/>
           </a:xfrm>
           <a:prstGeom prst="rect">
             <a:avLst/>
@@ -3695,14 +3791,14 @@
       </p:pic>
       <p:sp>
         <p:nvSpPr>
-          <p:cNvPr id="86" name="CustomShape 3"/>
+          <p:cNvPr id="87" name="CustomShape 3"/>
           <p:cNvSpPr/>
           <p:nvPr/>
         </p:nvSpPr>
         <p:spPr>
           <a:xfrm>
             <a:off x="639720" y="3291840"/>
-            <a:ext cx="9234360" cy="2186280"/>
+            <a:ext cx="9234000" cy="2185920"/>
           </a:xfrm>
           <a:prstGeom prst="rect">
             <a:avLst/>
@@ -3732,7 +3828,11 @@
             </a:pPr>
             <a:r>
               <a:rPr b="0" lang="en-US" sz="1800" spc="-1" strike="noStrike">
+                <a:solidFill>
+                  <a:srgbClr val="000000"/>
+                </a:solidFill>
                 <a:latin typeface="Arial"/>
+                <a:ea typeface="DejaVu Sans"/>
               </a:rPr>
               <a:t>Setting Dialog, allows changing the following configurations:</a:t>
             </a:r>
@@ -3758,19 +3858,31 @@
             </a:pPr>
             <a:r>
               <a:rPr b="0" lang="en-US" sz="1800" spc="-1" strike="noStrike">
+                <a:solidFill>
+                  <a:srgbClr val="000000"/>
+                </a:solidFill>
                 <a:latin typeface="Arial"/>
+                <a:ea typeface="DejaVu Sans"/>
               </a:rPr>
               <a:t>- </a:t>
             </a:r>
             <a:r>
               <a:rPr b="1" lang="en-US" sz="1800" spc="-1" strike="noStrike">
+                <a:solidFill>
+                  <a:srgbClr val="000000"/>
+                </a:solidFill>
                 <a:latin typeface="Arial"/>
+                <a:ea typeface="DejaVu Sans"/>
               </a:rPr>
               <a:t>GAMOS_HOME_DIR</a:t>
             </a:r>
             <a:r>
               <a:rPr b="0" lang="en-US" sz="1800" spc="-1" strike="noStrike">
+                <a:solidFill>
+                  <a:srgbClr val="000000"/>
+                </a:solidFill>
                 <a:latin typeface="Arial"/>
+                <a:ea typeface="DejaVu Sans"/>
               </a:rPr>
               <a:t>: Path to the Gamos installation directory. Note: select the GAMOS.X.X.X folder located beside to the "external" folder.</a:t>
             </a:r>
@@ -3796,19 +3908,31 @@
             </a:pPr>
             <a:r>
               <a:rPr b="0" lang="en-US" sz="1800" spc="-1" strike="noStrike">
+                <a:solidFill>
+                  <a:srgbClr val="000000"/>
+                </a:solidFill>
                 <a:latin typeface="Arial"/>
+                <a:ea typeface="DejaVu Sans"/>
               </a:rPr>
               <a:t>- </a:t>
             </a:r>
             <a:r>
               <a:rPr b="1" lang="en-US" sz="1800" spc="-1" strike="noStrike">
+                <a:solidFill>
+                  <a:srgbClr val="000000"/>
+                </a:solidFill>
                 <a:latin typeface="Arial"/>
+                <a:ea typeface="DejaVu Sans"/>
               </a:rPr>
               <a:t>WORKING_DIR</a:t>
             </a:r>
             <a:r>
               <a:rPr b="0" lang="en-US" sz="1800" spc="-1" strike="noStrike">
+                <a:solidFill>
+                  <a:srgbClr val="000000"/>
+                </a:solidFill>
                 <a:latin typeface="Arial"/>
+                <a:ea typeface="DejaVu Sans"/>
               </a:rPr>
               <a:t>: This is the path to which the Terminal will execute the "cd" command before running the "gamos" command. Input files will also be created in this directory.</a:t>
             </a:r>
@@ -3820,14 +3944,14 @@
       </p:sp>
       <p:sp>
         <p:nvSpPr>
-          <p:cNvPr id="87" name="CustomShape 4"/>
+          <p:cNvPr id="88" name="CustomShape 4"/>
           <p:cNvSpPr/>
           <p:nvPr/>
         </p:nvSpPr>
         <p:spPr>
           <a:xfrm>
             <a:off x="9621720" y="822600"/>
-            <a:ext cx="456840" cy="493200"/>
+            <a:ext cx="456480" cy="492840"/>
           </a:xfrm>
           <a:custGeom>
             <a:avLst/>
@@ -3909,37 +4033,6 @@
           <a:chExt cx="0" cy="0"/>
         </a:xfrm>
       </p:grpSpPr>
-      <p:sp>
-        <p:nvSpPr>
-          <p:cNvPr id="88" name="TextShape 1"/>
-          <p:cNvSpPr txBox="1"/>
-          <p:nvPr/>
-        </p:nvSpPr>
-        <p:spPr>
-          <a:xfrm>
-            <a:off x="503640" y="225360"/>
-            <a:ext cx="9070560" cy="946440"/>
-          </a:xfrm>
-          <a:prstGeom prst="rect">
-            <a:avLst/>
-          </a:prstGeom>
-          <a:noFill/>
-          <a:ln>
-            <a:noFill/>
-          </a:ln>
-        </p:spPr>
-        <p:txBody>
-          <a:bodyPr lIns="0" rIns="0" tIns="0" bIns="0" anchor="ctr">
-            <a:noAutofit/>
-          </a:bodyPr>
-          <a:p>
-            <a:pPr algn="ctr"/>
-            <a:endParaRPr b="0" lang="en-US" sz="3959" spc="-1" strike="noStrike">
-              <a:latin typeface="Arial"/>
-            </a:endParaRPr>
-          </a:p>
-        </p:txBody>
-      </p:sp>
       <p:pic>
         <p:nvPicPr>
           <p:cNvPr id="89" name="" descr=""/>
@@ -3952,8 +4045,8 @@
         </p:blipFill>
         <p:spPr>
           <a:xfrm>
-            <a:off x="0" y="0"/>
-            <a:ext cx="10079640" cy="5670000"/>
+            <a:off x="14400" y="-1440"/>
+            <a:ext cx="10080360" cy="5667120"/>
           </a:xfrm>
           <a:prstGeom prst="rect">
             <a:avLst/>
@@ -3965,14 +4058,40 @@
       </p:pic>
       <p:sp>
         <p:nvSpPr>
-          <p:cNvPr id="90" name="TextShape 2"/>
-          <p:cNvSpPr txBox="1"/>
+          <p:cNvPr id="90" name="CustomShape 1"/>
+          <p:cNvSpPr/>
           <p:nvPr/>
         </p:nvSpPr>
         <p:spPr>
           <a:xfrm>
+            <a:off x="503640" y="225360"/>
+            <a:ext cx="9070200" cy="946080"/>
+          </a:xfrm>
+          <a:prstGeom prst="rect">
+            <a:avLst/>
+          </a:prstGeom>
+          <a:noFill/>
+          <a:ln>
+            <a:noFill/>
+          </a:ln>
+        </p:spPr>
+        <p:style>
+          <a:lnRef idx="0"/>
+          <a:fillRef idx="0"/>
+          <a:effectRef idx="0"/>
+          <a:fontRef idx="minor"/>
+        </p:style>
+      </p:sp>
+      <p:sp>
+        <p:nvSpPr>
+          <p:cNvPr id="91" name="CustomShape 2"/>
+          <p:cNvSpPr/>
+          <p:nvPr/>
+        </p:nvSpPr>
+        <p:spPr>
+          <a:xfrm>
             <a:off x="595080" y="1366920"/>
-            <a:ext cx="3428280" cy="1101960"/>
+            <a:ext cx="3427920" cy="1101600"/>
           </a:xfrm>
           <a:prstGeom prst="rect">
             <a:avLst/>
@@ -3984,11 +4103,22 @@
             <a:noFill/>
           </a:ln>
         </p:spPr>
+        <p:style>
+          <a:lnRef idx="0"/>
+          <a:fillRef idx="0"/>
+          <a:effectRef idx="0"/>
+          <a:fontRef idx="minor"/>
+        </p:style>
         <p:txBody>
           <a:bodyPr lIns="90000" rIns="90000" tIns="45000" bIns="45000">
             <a:noAutofit/>
           </a:bodyPr>
           <a:p>
+            <a:pPr>
+              <a:lnSpc>
+                <a:spcPct val="100000"/>
+              </a:lnSpc>
+            </a:pPr>
             <a:r>
               <a:rPr b="0" lang="en-US" sz="1300" spc="-1" strike="noStrike">
                 <a:latin typeface="Arial"/>
@@ -4000,11 +4130,21 @@
             </a:endParaRPr>
           </a:p>
           <a:p>
+            <a:pPr>
+              <a:lnSpc>
+                <a:spcPct val="100000"/>
+              </a:lnSpc>
+            </a:pPr>
             <a:endParaRPr b="0" lang="en-US" sz="1300" spc="-1" strike="noStrike">
               <a:latin typeface="Arial"/>
             </a:endParaRPr>
           </a:p>
           <a:p>
+            <a:pPr>
+              <a:lnSpc>
+                <a:spcPct val="100000"/>
+              </a:lnSpc>
+            </a:pPr>
             <a:r>
               <a:rPr b="0" lang="en-US" sz="1300" spc="-1" strike="noStrike">
                 <a:latin typeface="Arial"/>
@@ -4019,14 +4159,14 @@
       </p:sp>
       <p:sp>
         <p:nvSpPr>
-          <p:cNvPr id="91" name="TextShape 3"/>
-          <p:cNvSpPr txBox="1"/>
+          <p:cNvPr id="92" name="CustomShape 3"/>
+          <p:cNvSpPr/>
           <p:nvPr/>
         </p:nvSpPr>
         <p:spPr>
           <a:xfrm>
             <a:off x="6217920" y="1362240"/>
-            <a:ext cx="3657600" cy="459000"/>
+            <a:ext cx="3657240" cy="458640"/>
           </a:xfrm>
           <a:prstGeom prst="rect">
             <a:avLst/>
@@ -4038,11 +4178,22 @@
             <a:noFill/>
           </a:ln>
         </p:spPr>
+        <p:style>
+          <a:lnRef idx="0"/>
+          <a:fillRef idx="0"/>
+          <a:effectRef idx="0"/>
+          <a:fontRef idx="minor"/>
+        </p:style>
         <p:txBody>
           <a:bodyPr lIns="90000" rIns="90000" tIns="45000" bIns="45000">
             <a:noAutofit/>
           </a:bodyPr>
           <a:p>
+            <a:pPr>
+              <a:lnSpc>
+                <a:spcPct val="100000"/>
+              </a:lnSpc>
+            </a:pPr>
             <a:r>
               <a:rPr b="0" lang="en-US" sz="1300" spc="-1" strike="noStrike">
                 <a:latin typeface="Arial"/>
@@ -4057,20 +4208,20 @@
       </p:sp>
       <p:sp>
         <p:nvSpPr>
-          <p:cNvPr id="92" name="CustomShape 4"/>
+          <p:cNvPr id="93" name="CustomShape 4"/>
           <p:cNvSpPr/>
           <p:nvPr/>
         </p:nvSpPr>
         <p:spPr>
           <a:xfrm>
-            <a:off x="2103120" y="914400"/>
-            <a:ext cx="548640" cy="365760"/>
+            <a:off x="843120" y="914400"/>
+            <a:ext cx="548280" cy="365400"/>
           </a:xfrm>
           <a:custGeom>
             <a:avLst/>
             <a:gdLst/>
             <a:ahLst/>
-            <a:rect l="0" t="0" r="r" b="b"/>
+            <a:rect l="l" t="t" r="r" b="b"/>
             <a:pathLst>
               <a:path w="1525" h="1018">
                 <a:moveTo>
@@ -4118,20 +4269,20 @@
       </p:sp>
       <p:sp>
         <p:nvSpPr>
-          <p:cNvPr id="93" name="CustomShape 5"/>
+          <p:cNvPr id="94" name="CustomShape 5"/>
           <p:cNvSpPr/>
           <p:nvPr/>
         </p:nvSpPr>
         <p:spPr>
           <a:xfrm>
             <a:off x="8412480" y="914400"/>
-            <a:ext cx="548640" cy="365760"/>
+            <a:ext cx="548280" cy="365400"/>
           </a:xfrm>
           <a:custGeom>
             <a:avLst/>
             <a:gdLst/>
             <a:ahLst/>
-            <a:rect l="0" t="0" r="r" b="b"/>
+            <a:rect l="l" t="t" r="r" b="b"/>
             <a:pathLst>
               <a:path w="1525" h="1018">
                 <a:moveTo>
@@ -4176,6 +4327,248 @@
           <a:effectRef idx="0"/>
           <a:fontRef idx="minor"/>
         </p:style>
+      </p:sp>
+      <p:sp>
+        <p:nvSpPr>
+          <p:cNvPr id="95" name="CustomShape 6"/>
+          <p:cNvSpPr/>
+          <p:nvPr/>
+        </p:nvSpPr>
+        <p:spPr>
+          <a:xfrm>
+            <a:off x="6217920" y="2011680"/>
+            <a:ext cx="3657600" cy="548640"/>
+          </a:xfrm>
+          <a:prstGeom prst="rect">
+            <a:avLst/>
+          </a:prstGeom>
+          <a:solidFill>
+            <a:srgbClr val="ffa6a6"/>
+          </a:solidFill>
+          <a:ln>
+            <a:noFill/>
+          </a:ln>
+        </p:spPr>
+        <p:style>
+          <a:lnRef idx="0"/>
+          <a:fillRef idx="0"/>
+          <a:effectRef idx="0"/>
+          <a:fontRef idx="minor"/>
+        </p:style>
+        <p:txBody>
+          <a:bodyPr lIns="90000" rIns="90000" tIns="45000" bIns="45000">
+            <a:noAutofit/>
+          </a:bodyPr>
+          <a:p>
+            <a:pPr>
+              <a:lnSpc>
+                <a:spcPct val="100000"/>
+              </a:lnSpc>
+            </a:pPr>
+            <a:r>
+              <a:rPr b="0" lang="en-US" sz="1300" spc="-1" strike="noStrike">
+                <a:latin typeface="Arial"/>
+              </a:rPr>
+              <a:t>Open VrmlViewer in the folder containing the Input and Output files.</a:t>
+            </a:r>
+            <a:endParaRPr b="0" lang="en-US" sz="1300" spc="-1" strike="noStrike">
+              <a:latin typeface="Arial"/>
+            </a:endParaRPr>
+          </a:p>
+        </p:txBody>
+      </p:sp>
+      <p:sp>
+        <p:nvSpPr>
+          <p:cNvPr id="96" name="CustomShape 7"/>
+          <p:cNvSpPr/>
+          <p:nvPr/>
+        </p:nvSpPr>
+        <p:spPr>
+          <a:xfrm>
+            <a:off x="3657600" y="457200"/>
+            <a:ext cx="640080" cy="457200"/>
+          </a:xfrm>
+          <a:prstGeom prst="rect">
+            <a:avLst/>
+          </a:prstGeom>
+          <a:solidFill>
+            <a:srgbClr val="ffff00">
+              <a:alpha val="55000"/>
+            </a:srgbClr>
+          </a:solidFill>
+          <a:ln>
+            <a:solidFill>
+              <a:srgbClr val="3465a4"/>
+            </a:solidFill>
+          </a:ln>
+        </p:spPr>
+        <p:style>
+          <a:lnRef idx="0"/>
+          <a:fillRef idx="0"/>
+          <a:effectRef idx="0"/>
+          <a:fontRef idx="minor"/>
+        </p:style>
+      </p:sp>
+      <p:cxnSp>
+        <p:nvCxnSpPr>
+          <p:cNvPr id="97" name="Line 8"/>
+          <p:cNvCxnSpPr/>
+          <p:nvPr/>
+        </p:nvCxnSpPr>
+        <p:spPr>
+          <a:xfrm>
+            <a:off x="0" y="0"/>
+            <a:ext cx="360" cy="360"/>
+          </a:xfrm>
+          <a:prstGeom prst="line">
+            <a:avLst/>
+          </a:prstGeom>
+          <a:ln w="38160">
+            <a:solidFill>
+              <a:srgbClr val="ff0000"/>
+            </a:solidFill>
+            <a:round/>
+            <a:tailEnd len="med" type="triangle" w="med"/>
+          </a:ln>
+        </p:spPr>
+      </p:cxnSp>
+    </p:spTree>
+  </p:cSld>
+  <mc:AlternateContent>
+    <mc:Choice Requires="p14">
+      <p:transition spd="slow" p14:dur="2000"/>
+    </mc:Choice>
+    <mc:Fallback>
+      <p:transition spd="slow"/>
+    </mc:Fallback>
+  </mc:AlternateContent>
+</p:sld>
+</file>
+
+<file path=ppt/slides/slide4.xml><?xml version="1.0" encoding="utf-8"?>
+<p:sld xmlns:a="http://schemas.openxmlformats.org/drawingml/2006/main" xmlns:p="http://schemas.openxmlformats.org/presentationml/2006/main" xmlns:r="http://schemas.openxmlformats.org/officeDocument/2006/relationships" xmlns:p14="http://schemas.microsoft.com/office/powerpoint/2010/main" xmlns:p15="http://schemas.microsoft.com/office/powerpoint/2012/main" xmlns:mc="http://schemas.openxmlformats.org/markup-compatibility/2006">
+  <p:cSld>
+    <p:spTree>
+      <p:nvGrpSpPr>
+        <p:cNvPr id="1" name=""/>
+        <p:cNvGrpSpPr/>
+        <p:nvPr/>
+      </p:nvGrpSpPr>
+      <p:grpSpPr>
+        <a:xfrm>
+          <a:off x="0" y="0"/>
+          <a:ext cx="0" cy="0"/>
+          <a:chOff x="0" y="0"/>
+          <a:chExt cx="0" cy="0"/>
+        </a:xfrm>
+      </p:grpSpPr>
+      <p:pic>
+        <p:nvPicPr>
+          <p:cNvPr id="98" name="" descr=""/>
+          <p:cNvPicPr/>
+          <p:nvPr/>
+        </p:nvPicPr>
+        <p:blipFill>
+          <a:blip r:embed="rId1"/>
+          <a:stretch/>
+        </p:blipFill>
+        <p:spPr>
+          <a:xfrm>
+            <a:off x="-10440" y="-9360"/>
+            <a:ext cx="10080360" cy="5667120"/>
+          </a:xfrm>
+          <a:prstGeom prst="rect">
+            <a:avLst/>
+          </a:prstGeom>
+          <a:ln>
+            <a:noFill/>
+          </a:ln>
+        </p:spPr>
+      </p:pic>
+      <p:sp>
+        <p:nvSpPr>
+          <p:cNvPr id="99" name="CustomShape 1"/>
+          <p:cNvSpPr/>
+          <p:nvPr/>
+        </p:nvSpPr>
+        <p:spPr>
+          <a:xfrm>
+            <a:off x="1097280" y="1005840"/>
+            <a:ext cx="7092360" cy="822960"/>
+          </a:xfrm>
+          <a:prstGeom prst="rect">
+            <a:avLst/>
+          </a:prstGeom>
+          <a:solidFill>
+            <a:srgbClr val="e8f2a1"/>
+          </a:solidFill>
+          <a:ln>
+            <a:noFill/>
+          </a:ln>
+        </p:spPr>
+        <p:style>
+          <a:lnRef idx="0"/>
+          <a:fillRef idx="0"/>
+          <a:effectRef idx="0"/>
+          <a:fontRef idx="minor"/>
+        </p:style>
+        <p:txBody>
+          <a:bodyPr lIns="90000" rIns="90000" tIns="45000" bIns="45000">
+            <a:noAutofit/>
+          </a:bodyPr>
+          <a:p>
+            <a:pPr>
+              <a:lnSpc>
+                <a:spcPct val="100000"/>
+              </a:lnSpc>
+              <a:spcBef>
+                <a:spcPts val="720"/>
+              </a:spcBef>
+              <a:spcAft>
+                <a:spcPts val="720"/>
+              </a:spcAft>
+            </a:pPr>
+            <a:r>
+              <a:rPr b="1" lang="en-US" sz="1500" spc="-1" strike="noStrike">
+                <a:solidFill>
+                  <a:srgbClr val="000000"/>
+                </a:solidFill>
+                <a:latin typeface="Arial"/>
+                <a:ea typeface="DejaVu Sans"/>
+              </a:rPr>
+              <a:t>VrmlViewer</a:t>
+            </a:r>
+            <a:endParaRPr b="0" lang="en-US" sz="1500" spc="-1" strike="noStrike">
+              <a:latin typeface="Arial"/>
+            </a:endParaRPr>
+          </a:p>
+          <a:p>
+            <a:pPr>
+              <a:lnSpc>
+                <a:spcPct val="100000"/>
+              </a:lnSpc>
+              <a:spcBef>
+                <a:spcPts val="720"/>
+              </a:spcBef>
+              <a:spcAft>
+                <a:spcPts val="720"/>
+              </a:spcAft>
+            </a:pPr>
+            <a:r>
+              <a:rPr b="0" lang="en-US" sz="1500" spc="-1" strike="noStrike">
+                <a:solidFill>
+                  <a:srgbClr val="000000"/>
+                </a:solidFill>
+                <a:latin typeface="Arial"/>
+                <a:ea typeface="DejaVu Sans"/>
+              </a:rPr>
+              <a:t>Currently supporting *.WRL, *.VRML file formats</a:t>
+            </a:r>
+            <a:endParaRPr b="0" lang="en-US" sz="1500" spc="-1" strike="noStrike">
+              <a:latin typeface="Arial"/>
+            </a:endParaRPr>
+          </a:p>
+        </p:txBody>
       </p:sp>
     </p:spTree>
   </p:cSld>
